--- a/presentation/Social Contagion of Obesity Presentation.pptx
+++ b/presentation/Social Contagion of Obesity Presentation.pptx
@@ -374,7 +374,7 @@
     </p:spTree>
     <p:extLst>
       <p:ext uri="{BB962C8B-B14F-4D97-AF65-F5344CB8AC3E}">
-        <p14:creationId xmlns:p14="http://schemas.microsoft.com/office/powerpoint/2010/main" xmlns="" val="277359971"/>
+        <p14:creationId xmlns="" xmlns:p14="http://schemas.microsoft.com/office/powerpoint/2010/main" val="277359971"/>
       </p:ext>
     </p:extLst>
   </p:cSld>
@@ -705,7 +705,7 @@
           <a:blip r:embed="rId2">
             <a:extLst>
               <a:ext uri="{28A0092B-C50C-407E-A947-70E740481C1C}">
-                <a14:useLocalDpi xmlns:a14="http://schemas.microsoft.com/office/drawing/2010/main" xmlns="" val="0"/>
+                <a14:useLocalDpi xmlns="" xmlns:a14="http://schemas.microsoft.com/office/drawing/2010/main" val="0"/>
               </a:ext>
             </a:extLst>
           </a:blip>
@@ -770,7 +770,7 @@
     </p:spTree>
     <p:extLst>
       <p:ext uri="{BB962C8B-B14F-4D97-AF65-F5344CB8AC3E}">
-        <p14:creationId xmlns:p14="http://schemas.microsoft.com/office/powerpoint/2010/main" xmlns="" val="826009964"/>
+        <p14:creationId xmlns="" xmlns:p14="http://schemas.microsoft.com/office/powerpoint/2010/main" val="826009964"/>
       </p:ext>
     </p:extLst>
   </p:cSld>
@@ -931,7 +931,7 @@
     </p:spTree>
     <p:extLst>
       <p:ext uri="{BB962C8B-B14F-4D97-AF65-F5344CB8AC3E}">
-        <p14:creationId xmlns:p14="http://schemas.microsoft.com/office/powerpoint/2010/main" xmlns="" val="748044121"/>
+        <p14:creationId xmlns="" xmlns:p14="http://schemas.microsoft.com/office/powerpoint/2010/main" val="748044121"/>
       </p:ext>
     </p:extLst>
   </p:cSld>
@@ -1247,7 +1247,7 @@
     </p:spTree>
     <p:extLst>
       <p:ext uri="{BB962C8B-B14F-4D97-AF65-F5344CB8AC3E}">
-        <p14:creationId xmlns:p14="http://schemas.microsoft.com/office/powerpoint/2010/main" xmlns="" val="826009964"/>
+        <p14:creationId xmlns="" xmlns:p14="http://schemas.microsoft.com/office/powerpoint/2010/main" val="826009964"/>
       </p:ext>
     </p:extLst>
   </p:cSld>
@@ -1566,7 +1566,7 @@
     </p:spTree>
     <p:extLst>
       <p:ext uri="{BB962C8B-B14F-4D97-AF65-F5344CB8AC3E}">
-        <p14:creationId xmlns:p14="http://schemas.microsoft.com/office/powerpoint/2010/main" xmlns="" val="1490291718"/>
+        <p14:creationId xmlns="" xmlns:p14="http://schemas.microsoft.com/office/powerpoint/2010/main" val="1490291718"/>
       </p:ext>
     </p:extLst>
   </p:cSld>
@@ -1907,7 +1907,7 @@
             <a:blip r:embed="rId3">
               <a:extLst>
                 <a:ext uri="{28A0092B-C50C-407E-A947-70E740481C1C}">
-                  <a14:useLocalDpi xmlns:a14="http://schemas.microsoft.com/office/drawing/2010/main" xmlns="" val="0"/>
+                  <a14:useLocalDpi xmlns="" xmlns:a14="http://schemas.microsoft.com/office/drawing/2010/main" val="0"/>
                 </a:ext>
               </a:extLst>
             </a:blip>
@@ -1970,7 +1970,7 @@
     </p:spTree>
     <p:extLst>
       <p:ext uri="{BB962C8B-B14F-4D97-AF65-F5344CB8AC3E}">
-        <p14:creationId xmlns:p14="http://schemas.microsoft.com/office/powerpoint/2010/main" xmlns="" val="1980723131"/>
+        <p14:creationId xmlns="" xmlns:p14="http://schemas.microsoft.com/office/powerpoint/2010/main" val="1980723131"/>
       </p:ext>
     </p:extLst>
   </p:cSld>
@@ -2795,7 +2795,7 @@
     </p:spTree>
     <p:extLst>
       <p:ext uri="{BB962C8B-B14F-4D97-AF65-F5344CB8AC3E}">
-        <p14:creationId xmlns:p14="http://schemas.microsoft.com/office/powerpoint/2010/main" xmlns="" val="1353896245"/>
+        <p14:creationId xmlns="" xmlns:p14="http://schemas.microsoft.com/office/powerpoint/2010/main" val="1353896245"/>
       </p:ext>
     </p:extLst>
   </p:cSld>
@@ -2999,7 +2999,7 @@
     </p:spTree>
     <p:extLst>
       <p:ext uri="{BB962C8B-B14F-4D97-AF65-F5344CB8AC3E}">
-        <p14:creationId xmlns:p14="http://schemas.microsoft.com/office/powerpoint/2010/main" xmlns="" val="3262962747"/>
+        <p14:creationId xmlns="" xmlns:p14="http://schemas.microsoft.com/office/powerpoint/2010/main" val="3262962747"/>
       </p:ext>
     </p:extLst>
   </p:cSld>
@@ -3205,7 +3205,7 @@
             <a:blip r:embed="rId12">
               <a:extLst>
                 <a:ext uri="{28A0092B-C50C-407E-A947-70E740481C1C}">
-                  <a14:useLocalDpi xmlns:a14="http://schemas.microsoft.com/office/drawing/2010/main" xmlns="" val="0"/>
+                  <a14:useLocalDpi xmlns="" xmlns:a14="http://schemas.microsoft.com/office/drawing/2010/main" val="0"/>
                 </a:ext>
               </a:extLst>
             </a:blip>
@@ -3858,7 +3858,12 @@
             <p:ph type="ftr" sz="quarter" idx="11"/>
           </p:nvPr>
         </p:nvSpPr>
-        <p:spPr/>
+        <p:spPr>
+          <a:xfrm>
+            <a:off x="914400" y="6308726"/>
+            <a:ext cx="6866213" cy="468312"/>
+          </a:xfrm>
+        </p:spPr>
         <p:txBody>
           <a:bodyPr/>
           <a:lstStyle/>
@@ -3921,7 +3926,7 @@
     </p:spTree>
     <p:extLst>
       <p:ext uri="{BB962C8B-B14F-4D97-AF65-F5344CB8AC3E}">
-        <p14:creationId xmlns:p14="http://schemas.microsoft.com/office/powerpoint/2010/main" xmlns="" val="925331975"/>
+        <p14:creationId xmlns="" xmlns:p14="http://schemas.microsoft.com/office/powerpoint/2010/main" val="925331975"/>
       </p:ext>
     </p:extLst>
   </p:cSld>
@@ -4074,7 +4079,7 @@
     </p:spTree>
     <p:extLst>
       <p:ext uri="{BB962C8B-B14F-4D97-AF65-F5344CB8AC3E}">
-        <p14:creationId xmlns:p14="http://schemas.microsoft.com/office/powerpoint/2010/main" xmlns="" val="2652730742"/>
+        <p14:creationId xmlns="" xmlns:p14="http://schemas.microsoft.com/office/powerpoint/2010/main" val="2652730742"/>
       </p:ext>
     </p:extLst>
   </p:cSld>
@@ -4197,7 +4202,7 @@
     </p:spTree>
     <p:extLst>
       <p:ext uri="{BB962C8B-B14F-4D97-AF65-F5344CB8AC3E}">
-        <p14:creationId xmlns:p14="http://schemas.microsoft.com/office/powerpoint/2010/main" xmlns="" val="3942276668"/>
+        <p14:creationId xmlns="" xmlns:p14="http://schemas.microsoft.com/office/powerpoint/2010/main" val="3942276668"/>
       </p:ext>
     </p:extLst>
   </p:cSld>
@@ -4339,7 +4344,7 @@
     </p:spTree>
     <p:extLst>
       <p:ext uri="{BB962C8B-B14F-4D97-AF65-F5344CB8AC3E}">
-        <p14:creationId xmlns:p14="http://schemas.microsoft.com/office/powerpoint/2010/main" xmlns="" val="1021420575"/>
+        <p14:creationId xmlns="" xmlns:p14="http://schemas.microsoft.com/office/powerpoint/2010/main" val="1021420575"/>
       </p:ext>
     </p:extLst>
   </p:cSld>
@@ -4462,7 +4467,7 @@
     </p:spTree>
     <p:extLst>
       <p:ext uri="{BB962C8B-B14F-4D97-AF65-F5344CB8AC3E}">
-        <p14:creationId xmlns:p14="http://schemas.microsoft.com/office/powerpoint/2010/main" xmlns="" val="299640975"/>
+        <p14:creationId xmlns="" xmlns:p14="http://schemas.microsoft.com/office/powerpoint/2010/main" val="299640975"/>
       </p:ext>
     </p:extLst>
   </p:cSld>
@@ -4608,7 +4613,7 @@
     </p:spTree>
     <p:extLst>
       <p:ext uri="{BB962C8B-B14F-4D97-AF65-F5344CB8AC3E}">
-        <p14:creationId xmlns:p14="http://schemas.microsoft.com/office/powerpoint/2010/main" xmlns="" val="2652730742"/>
+        <p14:creationId xmlns="" xmlns:p14="http://schemas.microsoft.com/office/powerpoint/2010/main" val="2652730742"/>
       </p:ext>
     </p:extLst>
   </p:cSld>
@@ -4800,8 +4805,39 @@
                 <a:ea typeface="+mn-ea"/>
                 <a:cs typeface="+mn-cs"/>
               </a:rPr>
-              <a:t>Obesity causes 300‘000 deaths annually in the US</a:t>
-            </a:r>
+              <a:t>Obesity causes 300‘000 deaths annually in the </a:t>
+            </a:r>
+            <a:r>
+              <a:rPr kumimoji="0" lang="de-CH" sz="2400" b="0" i="0" u="none" strike="noStrike" kern="1200" cap="none" spc="0" normalizeH="0" baseline="0" noProof="0" dirty="0" smtClean="0">
+                <a:ln>
+                  <a:noFill/>
+                </a:ln>
+                <a:solidFill>
+                  <a:schemeClr val="tx1"/>
+                </a:solidFill>
+                <a:effectLst/>
+                <a:uLnTx/>
+                <a:uFillTx/>
+                <a:latin typeface="+mn-lt"/>
+                <a:ea typeface="+mn-ea"/>
+                <a:cs typeface="+mn-cs"/>
+              </a:rPr>
+              <a:t>US (Flegal, 2004)</a:t>
+            </a:r>
+            <a:endParaRPr kumimoji="0" lang="de-CH" sz="2400" b="0" i="0" u="none" strike="noStrike" kern="1200" cap="none" spc="0" normalizeH="0" baseline="0" noProof="0" dirty="0" smtClean="0">
+              <a:ln>
+                <a:noFill/>
+              </a:ln>
+              <a:solidFill>
+                <a:schemeClr val="tx1"/>
+              </a:solidFill>
+              <a:effectLst/>
+              <a:uLnTx/>
+              <a:uFillTx/>
+              <a:latin typeface="+mn-lt"/>
+              <a:ea typeface="+mn-ea"/>
+              <a:cs typeface="+mn-cs"/>
+            </a:endParaRPr>
           </a:p>
         </p:txBody>
       </p:sp>
@@ -5051,7 +5087,7 @@
     </p:spTree>
     <p:extLst>
       <p:ext uri="{BB962C8B-B14F-4D97-AF65-F5344CB8AC3E}">
-        <p14:creationId xmlns:p14="http://schemas.microsoft.com/office/powerpoint/2010/main" xmlns="" val="2470698625"/>
+        <p14:creationId xmlns="" xmlns:p14="http://schemas.microsoft.com/office/powerpoint/2010/main" val="2470698625"/>
       </p:ext>
     </p:extLst>
   </p:cSld>
@@ -5176,8 +5212,11 @@
           <a:p>
             <a:r>
               <a:rPr lang="de-CH" dirty="0" smtClean="0"/>
-              <a:t>Better understanding obesity to design adequate intervention programs</a:t>
-            </a:r>
+              <a:t>Research question</a:t>
+            </a:r>
+            <a:br>
+              <a:rPr lang="de-CH" dirty="0" smtClean="0"/>
+            </a:br>
             <a:endParaRPr lang="de-CH" dirty="0"/>
           </a:p>
         </p:txBody>
@@ -5208,6 +5247,193 @@
             <a:noAutofit/>
           </a:bodyPr>
           <a:lstStyle/>
+          <a:p>
+            <a:pPr marL="361950" lvl="0" indent="-361950">
+              <a:spcBef>
+                <a:spcPts val="500"/>
+              </a:spcBef>
+              <a:buClr>
+                <a:schemeClr val="bg2"/>
+              </a:buClr>
+              <a:buFont typeface="Wingdings" pitchFamily="2" charset="2"/>
+              <a:buChar char="§"/>
+              <a:defRPr/>
+            </a:pPr>
+            <a:r>
+              <a:rPr kumimoji="0" lang="de-CH" sz="2400" b="0" i="0" u="none" strike="noStrike" kern="1200" cap="none" spc="0" normalizeH="0" noProof="0" dirty="0" smtClean="0">
+                <a:ln>
+                  <a:noFill/>
+                </a:ln>
+                <a:solidFill>
+                  <a:schemeClr val="tx1"/>
+                </a:solidFill>
+                <a:effectLst/>
+                <a:uLnTx/>
+                <a:uFillTx/>
+                <a:latin typeface="+mn-lt"/>
+                <a:ea typeface="+mn-ea"/>
+                <a:cs typeface="+mn-cs"/>
+              </a:rPr>
+              <a:t>SISa </a:t>
+            </a:r>
+            <a:r>
+              <a:rPr kumimoji="0" lang="de-CH" sz="2400" b="0" i="0" u="none" strike="noStrike" kern="1200" cap="none" spc="0" normalizeH="0" noProof="0" dirty="0" smtClean="0">
+                <a:ln>
+                  <a:noFill/>
+                </a:ln>
+                <a:solidFill>
+                  <a:schemeClr val="tx1"/>
+                </a:solidFill>
+                <a:effectLst/>
+                <a:uLnTx/>
+                <a:uFillTx/>
+                <a:latin typeface="+mn-lt"/>
+                <a:ea typeface="+mn-ea"/>
+                <a:cs typeface="+mn-cs"/>
+              </a:rPr>
+              <a:t>model </a:t>
+            </a:r>
+            <a:r>
+              <a:rPr kumimoji="0" lang="de-CH" sz="2400" b="0" i="0" u="none" strike="noStrike" kern="1200" cap="none" spc="0" normalizeH="0" noProof="0" dirty="0" smtClean="0">
+                <a:ln>
+                  <a:noFill/>
+                </a:ln>
+                <a:solidFill>
+                  <a:schemeClr val="tx1"/>
+                </a:solidFill>
+                <a:effectLst/>
+                <a:uLnTx/>
+                <a:uFillTx/>
+                <a:latin typeface="+mn-lt"/>
+                <a:ea typeface="+mn-ea"/>
+                <a:cs typeface="+mn-cs"/>
+              </a:rPr>
+              <a:t>proposed by </a:t>
+            </a:r>
+            <a:r>
+              <a:rPr lang="de-CH" sz="2400" dirty="0" smtClean="0"/>
+              <a:t>Hill et al. (2010) </a:t>
+            </a:r>
+            <a:r>
+              <a:rPr lang="de-CH" sz="2400" dirty="0" smtClean="0"/>
+              <a:t>and </a:t>
+            </a:r>
+            <a:r>
+              <a:rPr kumimoji="0" lang="de-CH" sz="2400" b="0" i="0" u="none" strike="noStrike" kern="1200" cap="none" spc="0" normalizeH="0" noProof="0" dirty="0" smtClean="0">
+                <a:ln>
+                  <a:noFill/>
+                </a:ln>
+                <a:solidFill>
+                  <a:schemeClr val="tx1"/>
+                </a:solidFill>
+                <a:effectLst/>
+                <a:uLnTx/>
+                <a:uFillTx/>
+                <a:latin typeface="+mn-lt"/>
+                <a:ea typeface="+mn-ea"/>
+                <a:cs typeface="+mn-cs"/>
+              </a:rPr>
+              <a:t>derived </a:t>
+            </a:r>
+            <a:r>
+              <a:rPr kumimoji="0" lang="de-CH" sz="2400" b="0" i="0" u="none" strike="noStrike" kern="1200" cap="none" spc="0" normalizeH="0" noProof="0" dirty="0" smtClean="0">
+                <a:ln>
+                  <a:noFill/>
+                </a:ln>
+                <a:solidFill>
+                  <a:schemeClr val="tx1"/>
+                </a:solidFill>
+                <a:effectLst/>
+                <a:uLnTx/>
+                <a:uFillTx/>
+                <a:latin typeface="+mn-lt"/>
+                <a:ea typeface="+mn-ea"/>
+                <a:cs typeface="+mn-cs"/>
+              </a:rPr>
+              <a:t>from </a:t>
+            </a:r>
+            <a:r>
+              <a:rPr kumimoji="0" lang="de-CH" sz="2400" b="0" i="0" u="none" strike="noStrike" kern="1200" cap="none" spc="0" normalizeH="0" noProof="0" dirty="0" smtClean="0">
+                <a:ln>
+                  <a:noFill/>
+                </a:ln>
+                <a:solidFill>
+                  <a:schemeClr val="tx1"/>
+                </a:solidFill>
+                <a:effectLst/>
+                <a:uLnTx/>
+                <a:uFillTx/>
+                <a:latin typeface="+mn-lt"/>
+                <a:ea typeface="+mn-ea"/>
+                <a:cs typeface="+mn-cs"/>
+              </a:rPr>
+              <a:t>SIS to allow for social contagion and  automatic infection</a:t>
+            </a:r>
+          </a:p>
+          <a:p>
+            <a:pPr marL="361950" lvl="0" indent="-361950">
+              <a:spcBef>
+                <a:spcPts val="500"/>
+              </a:spcBef>
+              <a:buClr>
+                <a:schemeClr val="bg2"/>
+              </a:buClr>
+              <a:buFont typeface="Wingdings" pitchFamily="2" charset="2"/>
+              <a:buChar char="§"/>
+              <a:defRPr/>
+            </a:pPr>
+            <a:r>
+              <a:rPr lang="de-CH" sz="2400" dirty="0" smtClean="0"/>
+              <a:t>Model applied to the longitudinal Framingham Heart Study dataset</a:t>
+            </a:r>
+            <a:endParaRPr kumimoji="0" lang="de-CH" sz="2400" b="0" i="0" u="none" strike="noStrike" kern="1200" cap="none" spc="0" normalizeH="0" noProof="0" dirty="0" smtClean="0">
+              <a:ln>
+                <a:noFill/>
+              </a:ln>
+              <a:solidFill>
+                <a:schemeClr val="tx1"/>
+              </a:solidFill>
+              <a:effectLst/>
+              <a:uLnTx/>
+              <a:uFillTx/>
+              <a:latin typeface="+mn-lt"/>
+              <a:ea typeface="+mn-ea"/>
+              <a:cs typeface="+mn-cs"/>
+            </a:endParaRPr>
+          </a:p>
+          <a:p>
+            <a:pPr marL="361950" marR="0" lvl="0" indent="-361950" algn="l" defTabSz="914400" rtl="0" eaLnBrk="1" fontAlgn="auto" latinLnBrk="0" hangingPunct="1">
+              <a:lnSpc>
+                <a:spcPct val="100000"/>
+              </a:lnSpc>
+              <a:spcBef>
+                <a:spcPts val="500"/>
+              </a:spcBef>
+              <a:spcAft>
+                <a:spcPts val="0"/>
+              </a:spcAft>
+              <a:buClr>
+                <a:schemeClr val="bg2"/>
+              </a:buClr>
+              <a:buSzTx/>
+              <a:tabLst/>
+              <a:defRPr/>
+            </a:pPr>
+            <a:endParaRPr kumimoji="0" lang="de-CH" sz="2400" b="0" i="0" u="none" strike="noStrike" kern="1200" cap="none" spc="0" normalizeH="0" noProof="0" dirty="0" smtClean="0">
+              <a:ln>
+                <a:noFill/>
+              </a:ln>
+              <a:solidFill>
+                <a:schemeClr val="tx1"/>
+              </a:solidFill>
+              <a:effectLst/>
+              <a:uLnTx/>
+              <a:uFillTx/>
+              <a:latin typeface="+mn-lt"/>
+              <a:ea typeface="+mn-ea"/>
+              <a:cs typeface="+mn-cs"/>
+            </a:endParaRPr>
+          </a:p>
           <a:p>
             <a:pPr marL="361950" marR="0" lvl="0" indent="-361950" algn="l" defTabSz="914400" rtl="0" eaLnBrk="1" fontAlgn="auto" latinLnBrk="0" hangingPunct="1">
               <a:lnSpc>
@@ -5229,22 +5455,30 @@
               <a:defRPr/>
             </a:pPr>
             <a:r>
-              <a:rPr kumimoji="0" lang="de-CH" sz="2400" b="0" i="0" u="none" strike="noStrike" kern="1200" cap="none" spc="0" normalizeH="0" baseline="0" noProof="0" dirty="0" smtClean="0">
-                <a:ln>
-                  <a:noFill/>
-                </a:ln>
-                <a:solidFill>
-                  <a:schemeClr val="tx1"/>
-                </a:solidFill>
-                <a:effectLst/>
-                <a:uLnTx/>
-                <a:uFillTx/>
-                <a:latin typeface="+mn-lt"/>
-                <a:ea typeface="+mn-ea"/>
-                <a:cs typeface="+mn-cs"/>
-              </a:rPr>
-              <a:t>Hill et al. (2010) developed</a:t>
-            </a:r>
+              <a:rPr lang="de-CH" sz="2400" dirty="0" smtClean="0"/>
+              <a:t>Can we replicate Hill et al. results applying to another dataset?</a:t>
+            </a:r>
+          </a:p>
+          <a:p>
+            <a:pPr marL="361950" marR="0" lvl="0" indent="-361950" algn="l" defTabSz="914400" rtl="0" eaLnBrk="1" fontAlgn="auto" latinLnBrk="0" hangingPunct="1">
+              <a:lnSpc>
+                <a:spcPct val="100000"/>
+              </a:lnSpc>
+              <a:spcBef>
+                <a:spcPts val="500"/>
+              </a:spcBef>
+              <a:spcAft>
+                <a:spcPts val="0"/>
+              </a:spcAft>
+              <a:buClr>
+                <a:schemeClr val="bg2"/>
+              </a:buClr>
+              <a:buSzTx/>
+              <a:buFont typeface="Wingdings" pitchFamily="2" charset="2"/>
+              <a:buChar char="§"/>
+              <a:tabLst/>
+              <a:defRPr/>
+            </a:pPr>
             <a:r>
               <a:rPr kumimoji="0" lang="de-CH" sz="2400" b="0" i="0" u="none" strike="noStrike" kern="1200" cap="none" spc="0" normalizeH="0" noProof="0" dirty="0" smtClean="0">
                 <a:ln>
@@ -5260,25 +5494,43 @@
                 <a:ea typeface="+mn-ea"/>
                 <a:cs typeface="+mn-cs"/>
               </a:rPr>
-              <a:t> an adapatation of the SISa model derived </a:t>
-            </a:r>
-            <a:r>
-              <a:rPr kumimoji="0" lang="de-CH" sz="2400" b="0" i="0" u="none" strike="noStrike" kern="1200" cap="none" spc="0" normalizeH="0" noProof="0" smtClean="0">
-                <a:ln>
-                  <a:noFill/>
-                </a:ln>
-                <a:solidFill>
-                  <a:schemeClr val="tx1"/>
-                </a:solidFill>
-                <a:effectLst/>
-                <a:uLnTx/>
-                <a:uFillTx/>
-                <a:latin typeface="+mn-lt"/>
-                <a:ea typeface="+mn-ea"/>
-                <a:cs typeface="+mn-cs"/>
-              </a:rPr>
-              <a:t>from SIS</a:t>
-            </a:r>
+              <a:t>Does obesity spread through social networks? What about other risk factors?</a:t>
+            </a:r>
+          </a:p>
+          <a:p>
+            <a:pPr marL="361950" marR="0" lvl="0" indent="-361950" algn="l" defTabSz="914400" rtl="0" eaLnBrk="1" fontAlgn="auto" latinLnBrk="0" hangingPunct="1">
+              <a:lnSpc>
+                <a:spcPct val="100000"/>
+              </a:lnSpc>
+              <a:spcBef>
+                <a:spcPts val="500"/>
+              </a:spcBef>
+              <a:spcAft>
+                <a:spcPts val="0"/>
+              </a:spcAft>
+              <a:buClr>
+                <a:schemeClr val="bg2"/>
+              </a:buClr>
+              <a:buSzTx/>
+              <a:buFont typeface="Wingdings" pitchFamily="2" charset="2"/>
+              <a:buChar char="§"/>
+              <a:tabLst/>
+              <a:defRPr/>
+            </a:pPr>
+            <a:endParaRPr kumimoji="0" lang="de-CH" sz="2400" b="0" i="0" u="none" strike="noStrike" kern="1200" cap="none" spc="0" normalizeH="0" noProof="0" dirty="0" smtClean="0">
+              <a:ln>
+                <a:noFill/>
+              </a:ln>
+              <a:solidFill>
+                <a:schemeClr val="tx1"/>
+              </a:solidFill>
+              <a:effectLst/>
+              <a:uLnTx/>
+              <a:uFillTx/>
+              <a:latin typeface="+mn-lt"/>
+              <a:ea typeface="+mn-ea"/>
+              <a:cs typeface="+mn-cs"/>
+            </a:endParaRPr>
           </a:p>
           <a:p>
             <a:pPr marL="361950" marR="0" lvl="0" indent="-361950" algn="l" defTabSz="914400" rtl="0" eaLnBrk="1" fontAlgn="auto" latinLnBrk="0" hangingPunct="1">
@@ -5317,10 +5569,59 @@
           </a:p>
         </p:txBody>
       </p:sp>
+      <p:sp>
+        <p:nvSpPr>
+          <p:cNvPr id="8" name="Isosceles Triangle 7"/>
+          <p:cNvSpPr/>
+          <p:nvPr/>
+        </p:nvSpPr>
+        <p:spPr>
+          <a:xfrm rot="10800000">
+            <a:off x="3848100" y="4114801"/>
+            <a:ext cx="1447800" cy="228600"/>
+          </a:xfrm>
+          <a:prstGeom prst="triangle">
+            <a:avLst/>
+          </a:prstGeom>
+          <a:solidFill>
+            <a:schemeClr val="tx2">
+              <a:lumMod val="20000"/>
+              <a:lumOff val="80000"/>
+            </a:schemeClr>
+          </a:solidFill>
+          <a:ln>
+            <a:noFill/>
+          </a:ln>
+        </p:spPr>
+        <p:style>
+          <a:lnRef idx="2">
+            <a:schemeClr val="accent1">
+              <a:shade val="50000"/>
+            </a:schemeClr>
+          </a:lnRef>
+          <a:fillRef idx="1">
+            <a:schemeClr val="accent1"/>
+          </a:fillRef>
+          <a:effectRef idx="0">
+            <a:schemeClr val="accent1"/>
+          </a:effectRef>
+          <a:fontRef idx="minor">
+            <a:schemeClr val="lt1"/>
+          </a:fontRef>
+        </p:style>
+        <p:txBody>
+          <a:bodyPr rtlCol="0" anchor="ctr"/>
+          <a:lstStyle/>
+          <a:p>
+            <a:pPr algn="ctr"/>
+            <a:endParaRPr lang="en-GB"/>
+          </a:p>
+        </p:txBody>
+      </p:sp>
     </p:spTree>
     <p:extLst>
       <p:ext uri="{BB962C8B-B14F-4D97-AF65-F5344CB8AC3E}">
-        <p14:creationId xmlns:p14="http://schemas.microsoft.com/office/powerpoint/2010/main" xmlns="" val="2470698625"/>
+        <p14:creationId xmlns="" xmlns:p14="http://schemas.microsoft.com/office/powerpoint/2010/main" val="2470698625"/>
       </p:ext>
     </p:extLst>
   </p:cSld>
@@ -5473,7 +5774,7 @@
     </p:spTree>
     <p:extLst>
       <p:ext uri="{BB962C8B-B14F-4D97-AF65-F5344CB8AC3E}">
-        <p14:creationId xmlns:p14="http://schemas.microsoft.com/office/powerpoint/2010/main" xmlns="" val="2652730742"/>
+        <p14:creationId xmlns="" xmlns:p14="http://schemas.microsoft.com/office/powerpoint/2010/main" val="2652730742"/>
       </p:ext>
     </p:extLst>
   </p:cSld>
@@ -5641,7 +5942,7 @@
     </p:spTree>
     <p:extLst>
       <p:ext uri="{BB962C8B-B14F-4D97-AF65-F5344CB8AC3E}">
-        <p14:creationId xmlns:p14="http://schemas.microsoft.com/office/powerpoint/2010/main" xmlns="" val="2413663294"/>
+        <p14:creationId xmlns="" xmlns:p14="http://schemas.microsoft.com/office/powerpoint/2010/main" val="2413663294"/>
       </p:ext>
     </p:extLst>
   </p:cSld>
@@ -5794,7 +6095,7 @@
     </p:spTree>
     <p:extLst>
       <p:ext uri="{BB962C8B-B14F-4D97-AF65-F5344CB8AC3E}">
-        <p14:creationId xmlns:p14="http://schemas.microsoft.com/office/powerpoint/2010/main" xmlns="" val="2652730742"/>
+        <p14:creationId xmlns="" xmlns:p14="http://schemas.microsoft.com/office/powerpoint/2010/main" val="2652730742"/>
       </p:ext>
     </p:extLst>
   </p:cSld>
@@ -5924,7 +6225,7 @@
     </p:spTree>
     <p:extLst>
       <p:ext uri="{BB962C8B-B14F-4D97-AF65-F5344CB8AC3E}">
-        <p14:creationId xmlns:p14="http://schemas.microsoft.com/office/powerpoint/2010/main" xmlns="" val="34058075"/>
+        <p14:creationId xmlns="" xmlns:p14="http://schemas.microsoft.com/office/powerpoint/2010/main" val="34058075"/>
       </p:ext>
     </p:extLst>
   </p:cSld>
@@ -6070,7 +6371,7 @@
     </p:spTree>
     <p:extLst>
       <p:ext uri="{BB962C8B-B14F-4D97-AF65-F5344CB8AC3E}">
-        <p14:creationId xmlns:p14="http://schemas.microsoft.com/office/powerpoint/2010/main" xmlns="" val="2652730742"/>
+        <p14:creationId xmlns="" xmlns:p14="http://schemas.microsoft.com/office/powerpoint/2010/main" val="2652730742"/>
       </p:ext>
     </p:extLst>
   </p:cSld>

--- a/presentation/Social Contagion of Obesity Presentation.pptx
+++ b/presentation/Social Contagion of Obesity Presentation.pptx
@@ -5,7 +5,7 @@
     <p:sldMasterId id="2147483648" r:id="rId1"/>
   </p:sldMasterIdLst>
   <p:notesMasterIdLst>
-    <p:notesMasterId r:id="rId15"/>
+    <p:notesMasterId r:id="rId18"/>
   </p:notesMasterIdLst>
   <p:sldIdLst>
     <p:sldId id="256" r:id="rId2"/>
@@ -14,13 +14,16 @@
     <p:sldId id="271" r:id="rId5"/>
     <p:sldId id="266" r:id="rId6"/>
     <p:sldId id="261" r:id="rId7"/>
-    <p:sldId id="267" r:id="rId8"/>
-    <p:sldId id="262" r:id="rId9"/>
-    <p:sldId id="268" r:id="rId10"/>
-    <p:sldId id="269" r:id="rId11"/>
-    <p:sldId id="263" r:id="rId12"/>
-    <p:sldId id="264" r:id="rId13"/>
-    <p:sldId id="265" r:id="rId14"/>
+    <p:sldId id="272" r:id="rId8"/>
+    <p:sldId id="267" r:id="rId9"/>
+    <p:sldId id="273" r:id="rId10"/>
+    <p:sldId id="274" r:id="rId11"/>
+    <p:sldId id="275" r:id="rId12"/>
+    <p:sldId id="268" r:id="rId13"/>
+    <p:sldId id="269" r:id="rId14"/>
+    <p:sldId id="263" r:id="rId15"/>
+    <p:sldId id="264" r:id="rId16"/>
+    <p:sldId id="265" r:id="rId17"/>
   </p:sldIdLst>
   <p:sldSz cx="9144000" cy="6858000" type="screen4x3"/>
   <p:notesSz cx="7099300" cy="10234613"/>
@@ -374,7 +377,7 @@
     </p:spTree>
     <p:extLst>
       <p:ext uri="{BB962C8B-B14F-4D97-AF65-F5344CB8AC3E}">
-        <p14:creationId xmlns="" xmlns:p14="http://schemas.microsoft.com/office/powerpoint/2010/main" val="277359971"/>
+        <p14:creationId xmlns:p14="http://schemas.microsoft.com/office/powerpoint/2010/main" xmlns="" val="277359971"/>
       </p:ext>
     </p:extLst>
   </p:cSld>
@@ -705,7 +708,7 @@
           <a:blip r:embed="rId2">
             <a:extLst>
               <a:ext uri="{28A0092B-C50C-407E-A947-70E740481C1C}">
-                <a14:useLocalDpi xmlns="" xmlns:a14="http://schemas.microsoft.com/office/drawing/2010/main" val="0"/>
+                <a14:useLocalDpi xmlns:a14="http://schemas.microsoft.com/office/drawing/2010/main" xmlns="" val="0"/>
               </a:ext>
             </a:extLst>
           </a:blip>
@@ -770,7 +773,7 @@
     </p:spTree>
     <p:extLst>
       <p:ext uri="{BB962C8B-B14F-4D97-AF65-F5344CB8AC3E}">
-        <p14:creationId xmlns="" xmlns:p14="http://schemas.microsoft.com/office/powerpoint/2010/main" val="826009964"/>
+        <p14:creationId xmlns:p14="http://schemas.microsoft.com/office/powerpoint/2010/main" xmlns="" val="826009964"/>
       </p:ext>
     </p:extLst>
   </p:cSld>
@@ -931,7 +934,7 @@
     </p:spTree>
     <p:extLst>
       <p:ext uri="{BB962C8B-B14F-4D97-AF65-F5344CB8AC3E}">
-        <p14:creationId xmlns="" xmlns:p14="http://schemas.microsoft.com/office/powerpoint/2010/main" val="748044121"/>
+        <p14:creationId xmlns:p14="http://schemas.microsoft.com/office/powerpoint/2010/main" xmlns="" val="748044121"/>
       </p:ext>
     </p:extLst>
   </p:cSld>
@@ -1247,7 +1250,7 @@
     </p:spTree>
     <p:extLst>
       <p:ext uri="{BB962C8B-B14F-4D97-AF65-F5344CB8AC3E}">
-        <p14:creationId xmlns="" xmlns:p14="http://schemas.microsoft.com/office/powerpoint/2010/main" val="826009964"/>
+        <p14:creationId xmlns:p14="http://schemas.microsoft.com/office/powerpoint/2010/main" xmlns="" val="826009964"/>
       </p:ext>
     </p:extLst>
   </p:cSld>
@@ -1566,7 +1569,7 @@
     </p:spTree>
     <p:extLst>
       <p:ext uri="{BB962C8B-B14F-4D97-AF65-F5344CB8AC3E}">
-        <p14:creationId xmlns="" xmlns:p14="http://schemas.microsoft.com/office/powerpoint/2010/main" val="1490291718"/>
+        <p14:creationId xmlns:p14="http://schemas.microsoft.com/office/powerpoint/2010/main" xmlns="" val="1490291718"/>
       </p:ext>
     </p:extLst>
   </p:cSld>
@@ -1907,7 +1910,7 @@
             <a:blip r:embed="rId3">
               <a:extLst>
                 <a:ext uri="{28A0092B-C50C-407E-A947-70E740481C1C}">
-                  <a14:useLocalDpi xmlns="" xmlns:a14="http://schemas.microsoft.com/office/drawing/2010/main" val="0"/>
+                  <a14:useLocalDpi xmlns:a14="http://schemas.microsoft.com/office/drawing/2010/main" xmlns="" val="0"/>
                 </a:ext>
               </a:extLst>
             </a:blip>
@@ -1970,7 +1973,7 @@
     </p:spTree>
     <p:extLst>
       <p:ext uri="{BB962C8B-B14F-4D97-AF65-F5344CB8AC3E}">
-        <p14:creationId xmlns="" xmlns:p14="http://schemas.microsoft.com/office/powerpoint/2010/main" val="1980723131"/>
+        <p14:creationId xmlns:p14="http://schemas.microsoft.com/office/powerpoint/2010/main" xmlns="" val="1980723131"/>
       </p:ext>
     </p:extLst>
   </p:cSld>
@@ -2795,7 +2798,7 @@
     </p:spTree>
     <p:extLst>
       <p:ext uri="{BB962C8B-B14F-4D97-AF65-F5344CB8AC3E}">
-        <p14:creationId xmlns="" xmlns:p14="http://schemas.microsoft.com/office/powerpoint/2010/main" val="1353896245"/>
+        <p14:creationId xmlns:p14="http://schemas.microsoft.com/office/powerpoint/2010/main" xmlns="" val="1353896245"/>
       </p:ext>
     </p:extLst>
   </p:cSld>
@@ -2999,7 +3002,7 @@
     </p:spTree>
     <p:extLst>
       <p:ext uri="{BB962C8B-B14F-4D97-AF65-F5344CB8AC3E}">
-        <p14:creationId xmlns="" xmlns:p14="http://schemas.microsoft.com/office/powerpoint/2010/main" val="3262962747"/>
+        <p14:creationId xmlns:p14="http://schemas.microsoft.com/office/powerpoint/2010/main" xmlns="" val="3262962747"/>
       </p:ext>
     </p:extLst>
   </p:cSld>
@@ -3205,7 +3208,7 @@
             <a:blip r:embed="rId12">
               <a:extLst>
                 <a:ext uri="{28A0092B-C50C-407E-A947-70E740481C1C}">
-                  <a14:useLocalDpi xmlns="" xmlns:a14="http://schemas.microsoft.com/office/drawing/2010/main" val="0"/>
+                  <a14:useLocalDpi xmlns:a14="http://schemas.microsoft.com/office/drawing/2010/main" xmlns="" val="0"/>
                 </a:ext>
               </a:extLst>
             </a:blip>
@@ -3926,7 +3929,7 @@
     </p:spTree>
     <p:extLst>
       <p:ext uri="{BB962C8B-B14F-4D97-AF65-F5344CB8AC3E}">
-        <p14:creationId xmlns="" xmlns:p14="http://schemas.microsoft.com/office/powerpoint/2010/main" val="925331975"/>
+        <p14:creationId xmlns:p14="http://schemas.microsoft.com/office/powerpoint/2010/main" xmlns="" val="925331975"/>
       </p:ext>
     </p:extLst>
   </p:cSld>
@@ -3965,35 +3968,12 @@
       </p:grpSpPr>
       <p:sp>
         <p:nvSpPr>
-          <p:cNvPr id="2" name="Titel 1"/>
-          <p:cNvSpPr>
-            <a:spLocks noGrp="1"/>
-          </p:cNvSpPr>
-          <p:nvPr>
-            <p:ph type="ctrTitle"/>
-          </p:nvPr>
-        </p:nvSpPr>
-        <p:spPr/>
-        <p:txBody>
-          <a:bodyPr/>
-          <a:lstStyle/>
-          <a:p>
-            <a:r>
-              <a:rPr lang="de-CH" dirty="0" smtClean="0"/>
-              <a:t>References</a:t>
-            </a:r>
-            <a:endParaRPr lang="de-CH" dirty="0"/>
-          </a:p>
-        </p:txBody>
-      </p:sp>
-      <p:sp>
-        <p:nvSpPr>
-          <p:cNvPr id="3" name="Untertitel 2"/>
-          <p:cNvSpPr>
-            <a:spLocks noGrp="1"/>
-          </p:cNvSpPr>
-          <p:nvPr>
-            <p:ph type="subTitle" idx="1"/>
+          <p:cNvPr id="2" name="Inhaltsplatzhalter 1"/>
+          <p:cNvSpPr>
+            <a:spLocks noGrp="1"/>
+          </p:cNvSpPr>
+          <p:nvPr>
+            <p:ph sz="half" idx="1"/>
           </p:nvPr>
         </p:nvSpPr>
         <p:spPr/>
@@ -4007,6 +3987,25 @@
       </p:sp>
       <p:sp>
         <p:nvSpPr>
+          <p:cNvPr id="3" name="Inhaltsplatzhalter 2"/>
+          <p:cNvSpPr>
+            <a:spLocks noGrp="1"/>
+          </p:cNvSpPr>
+          <p:nvPr>
+            <p:ph sz="half" idx="2"/>
+          </p:nvPr>
+        </p:nvSpPr>
+        <p:spPr/>
+        <p:txBody>
+          <a:bodyPr/>
+          <a:lstStyle/>
+          <a:p>
+            <a:endParaRPr lang="de-CH"/>
+          </a:p>
+        </p:txBody>
+      </p:sp>
+      <p:sp>
+        <p:nvSpPr>
           <p:cNvPr id="4" name="Datumsplatzhalter 3"/>
           <p:cNvSpPr>
             <a:spLocks noGrp="1"/>
@@ -4020,7 +4019,7 @@
           <a:bodyPr/>
           <a:lstStyle/>
           <a:p>
-            <a:fld id="{0E397BD4-0686-495C-8D8F-54DB8CB790DF}" type="datetime1">
+            <a:fld id="{C6A1628A-2A40-4B37-B167-309C0EBB4BBF}" type="datetime1">
               <a:rPr lang="de-DE" smtClean="0"/>
               <a:pPr/>
               <a:t>13.05.2014</a:t>
@@ -4076,10 +4075,33 @@
           </a:p>
         </p:txBody>
       </p:sp>
+      <p:sp>
+        <p:nvSpPr>
+          <p:cNvPr id="7" name="Titel 6"/>
+          <p:cNvSpPr>
+            <a:spLocks noGrp="1"/>
+          </p:cNvSpPr>
+          <p:nvPr>
+            <p:ph type="title"/>
+          </p:nvPr>
+        </p:nvSpPr>
+        <p:spPr/>
+        <p:txBody>
+          <a:bodyPr/>
+          <a:lstStyle/>
+          <a:p>
+            <a:r>
+              <a:rPr lang="de-CH" dirty="0" smtClean="0"/>
+              <a:t>Simulation using different a parameters</a:t>
+            </a:r>
+            <a:endParaRPr lang="de-CH" dirty="0"/>
+          </a:p>
+        </p:txBody>
+      </p:sp>
     </p:spTree>
     <p:extLst>
       <p:ext uri="{BB962C8B-B14F-4D97-AF65-F5344CB8AC3E}">
-        <p14:creationId xmlns="" xmlns:p14="http://schemas.microsoft.com/office/powerpoint/2010/main" val="2652730742"/>
+        <p14:creationId xmlns:p14="http://schemas.microsoft.com/office/powerpoint/2010/main" xmlns="" val="2413663294"/>
       </p:ext>
     </p:extLst>
   </p:cSld>
@@ -4118,7 +4140,45 @@
       </p:grpSpPr>
       <p:sp>
         <p:nvSpPr>
-          <p:cNvPr id="2" name="Datumsplatzhalter 1"/>
+          <p:cNvPr id="2" name="Inhaltsplatzhalter 1"/>
+          <p:cNvSpPr>
+            <a:spLocks noGrp="1"/>
+          </p:cNvSpPr>
+          <p:nvPr>
+            <p:ph sz="half" idx="1"/>
+          </p:nvPr>
+        </p:nvSpPr>
+        <p:spPr/>
+        <p:txBody>
+          <a:bodyPr/>
+          <a:lstStyle/>
+          <a:p>
+            <a:endParaRPr lang="de-CH"/>
+          </a:p>
+        </p:txBody>
+      </p:sp>
+      <p:sp>
+        <p:nvSpPr>
+          <p:cNvPr id="3" name="Inhaltsplatzhalter 2"/>
+          <p:cNvSpPr>
+            <a:spLocks noGrp="1"/>
+          </p:cNvSpPr>
+          <p:nvPr>
+            <p:ph sz="half" idx="2"/>
+          </p:nvPr>
+        </p:nvSpPr>
+        <p:spPr/>
+        <p:txBody>
+          <a:bodyPr/>
+          <a:lstStyle/>
+          <a:p>
+            <a:endParaRPr lang="de-CH"/>
+          </a:p>
+        </p:txBody>
+      </p:sp>
+      <p:sp>
+        <p:nvSpPr>
+          <p:cNvPr id="4" name="Datumsplatzhalter 3"/>
           <p:cNvSpPr>
             <a:spLocks noGrp="1"/>
           </p:cNvSpPr>
@@ -4131,7 +4191,7 @@
           <a:bodyPr/>
           <a:lstStyle/>
           <a:p>
-            <a:fld id="{7D860B62-60FD-48EF-B2F4-6E7265AD3459}" type="datetime1">
+            <a:fld id="{C6A1628A-2A40-4B37-B167-309C0EBB4BBF}" type="datetime1">
               <a:rPr lang="de-DE" smtClean="0"/>
               <a:pPr/>
               <a:t>13.05.2014</a:t>
@@ -4142,7 +4202,7 @@
       </p:sp>
       <p:sp>
         <p:nvSpPr>
-          <p:cNvPr id="3" name="Fußzeilenplatzhalter 2"/>
+          <p:cNvPr id="5" name="Fußzeilenplatzhalter 4"/>
           <p:cNvSpPr>
             <a:spLocks noGrp="1"/>
           </p:cNvSpPr>
@@ -4165,7 +4225,7 @@
       </p:sp>
       <p:sp>
         <p:nvSpPr>
-          <p:cNvPr id="4" name="Foliennummernplatzhalter 3"/>
+          <p:cNvPr id="6" name="Foliennummernplatzhalter 5"/>
           <p:cNvSpPr>
             <a:spLocks noGrp="1"/>
           </p:cNvSpPr>
@@ -4189,20 +4249,35 @@
       </p:sp>
       <p:sp>
         <p:nvSpPr>
-          <p:cNvPr id="5" name="Bildplatzhalter 4"/>
-          <p:cNvSpPr>
-            <a:spLocks noGrp="1"/>
-          </p:cNvSpPr>
-          <p:nvPr>
-            <p:ph type="pic" sz="quarter" idx="13"/>
-          </p:nvPr>
-        </p:nvSpPr>
-        <p:spPr/>
+          <p:cNvPr id="7" name="Titel 6"/>
+          <p:cNvSpPr>
+            <a:spLocks noGrp="1"/>
+          </p:cNvSpPr>
+          <p:nvPr>
+            <p:ph type="title"/>
+          </p:nvPr>
+        </p:nvSpPr>
+        <p:spPr/>
+        <p:txBody>
+          <a:bodyPr/>
+          <a:lstStyle/>
+          <a:p>
+            <a:r>
+              <a:rPr lang="de-CH" dirty="0" smtClean="0"/>
+              <a:t>Social contagion</a:t>
+            </a:r>
+            <a:r>
+              <a:rPr lang="de-CH" smtClean="0"/>
+              <a:t>, homophily, confounding</a:t>
+            </a:r>
+            <a:endParaRPr lang="de-CH" dirty="0"/>
+          </a:p>
+        </p:txBody>
       </p:sp>
     </p:spTree>
     <p:extLst>
       <p:ext uri="{BB962C8B-B14F-4D97-AF65-F5344CB8AC3E}">
-        <p14:creationId xmlns="" xmlns:p14="http://schemas.microsoft.com/office/powerpoint/2010/main" val="3942276668"/>
+        <p14:creationId xmlns:p14="http://schemas.microsoft.com/office/powerpoint/2010/main" xmlns="" val="2413663294"/>
       </p:ext>
     </p:extLst>
   </p:cSld>
@@ -4212,6 +4287,13 @@
   <p:transition>
     <p:fade/>
   </p:transition>
+  <p:timing>
+    <p:tnLst>
+      <p:par>
+        <p:cTn id="1" dur="indefinite" restart="never" nodeType="tmRoot"/>
+      </p:par>
+    </p:tnLst>
+  </p:timing>
 </p:sld>
 </file>
 
@@ -4234,7 +4316,49 @@
       </p:grpSpPr>
       <p:sp>
         <p:nvSpPr>
-          <p:cNvPr id="2" name="Datumsplatzhalter 1"/>
+          <p:cNvPr id="2" name="Titel 1"/>
+          <p:cNvSpPr>
+            <a:spLocks noGrp="1"/>
+          </p:cNvSpPr>
+          <p:nvPr>
+            <p:ph type="ctrTitle"/>
+          </p:nvPr>
+        </p:nvSpPr>
+        <p:spPr/>
+        <p:txBody>
+          <a:bodyPr/>
+          <a:lstStyle/>
+          <a:p>
+            <a:r>
+              <a:rPr lang="de-CH" dirty="0" smtClean="0"/>
+              <a:t>Conclusion and outlook</a:t>
+            </a:r>
+            <a:endParaRPr lang="de-CH" dirty="0"/>
+          </a:p>
+        </p:txBody>
+      </p:sp>
+      <p:sp>
+        <p:nvSpPr>
+          <p:cNvPr id="3" name="Untertitel 2"/>
+          <p:cNvSpPr>
+            <a:spLocks noGrp="1"/>
+          </p:cNvSpPr>
+          <p:nvPr>
+            <p:ph type="subTitle" idx="1"/>
+          </p:nvPr>
+        </p:nvSpPr>
+        <p:spPr/>
+        <p:txBody>
+          <a:bodyPr/>
+          <a:lstStyle/>
+          <a:p>
+            <a:endParaRPr lang="de-CH"/>
+          </a:p>
+        </p:txBody>
+      </p:sp>
+      <p:sp>
+        <p:nvSpPr>
+          <p:cNvPr id="4" name="Datumsplatzhalter 3"/>
           <p:cNvSpPr>
             <a:spLocks noGrp="1"/>
           </p:cNvSpPr>
@@ -4247,7 +4371,7 @@
           <a:bodyPr/>
           <a:lstStyle/>
           <a:p>
-            <a:fld id="{7F4A91D9-FBFE-4ACC-A99A-BC74A6E03CC5}" type="datetime1">
+            <a:fld id="{0E397BD4-0686-495C-8D8F-54DB8CB790DF}" type="datetime1">
               <a:rPr lang="de-DE" smtClean="0"/>
               <a:pPr/>
               <a:t>13.05.2014</a:t>
@@ -4258,7 +4382,7 @@
       </p:sp>
       <p:sp>
         <p:nvSpPr>
-          <p:cNvPr id="3" name="Fußzeilenplatzhalter 2"/>
+          <p:cNvPr id="5" name="Fußzeilenplatzhalter 4"/>
           <p:cNvSpPr>
             <a:spLocks noGrp="1"/>
           </p:cNvSpPr>
@@ -4281,7 +4405,7 @@
       </p:sp>
       <p:sp>
         <p:nvSpPr>
-          <p:cNvPr id="4" name="Foliennummernplatzhalter 3"/>
+          <p:cNvPr id="6" name="Foliennummernplatzhalter 5"/>
           <p:cNvSpPr>
             <a:spLocks noGrp="1"/>
           </p:cNvSpPr>
@@ -4303,48 +4427,10 @@
           </a:p>
         </p:txBody>
       </p:sp>
-      <p:sp>
-        <p:nvSpPr>
-          <p:cNvPr id="5" name="Inhaltsplatzhalter 4"/>
-          <p:cNvSpPr>
-            <a:spLocks noGrp="1"/>
-          </p:cNvSpPr>
-          <p:nvPr>
-            <p:ph sz="quarter" idx="13"/>
-          </p:nvPr>
-        </p:nvSpPr>
-        <p:spPr/>
-        <p:txBody>
-          <a:bodyPr/>
-          <a:lstStyle/>
-          <a:p>
-            <a:endParaRPr lang="de-CH"/>
-          </a:p>
-        </p:txBody>
-      </p:sp>
-      <p:sp>
-        <p:nvSpPr>
-          <p:cNvPr id="6" name="Titel 5"/>
-          <p:cNvSpPr>
-            <a:spLocks noGrp="1"/>
-          </p:cNvSpPr>
-          <p:nvPr>
-            <p:ph type="title"/>
-          </p:nvPr>
-        </p:nvSpPr>
-        <p:spPr/>
-        <p:txBody>
-          <a:bodyPr/>
-          <a:lstStyle/>
-          <a:p>
-            <a:endParaRPr lang="de-CH"/>
-          </a:p>
-        </p:txBody>
-      </p:sp>
     </p:spTree>
     <p:extLst>
       <p:ext uri="{BB962C8B-B14F-4D97-AF65-F5344CB8AC3E}">
-        <p14:creationId xmlns="" xmlns:p14="http://schemas.microsoft.com/office/powerpoint/2010/main" val="1021420575"/>
+        <p14:creationId xmlns:p14="http://schemas.microsoft.com/office/powerpoint/2010/main" xmlns="" val="2652730742"/>
       </p:ext>
     </p:extLst>
   </p:cSld>
@@ -4354,6 +4440,13 @@
   <p:transition>
     <p:fade/>
   </p:transition>
+  <p:timing>
+    <p:tnLst>
+      <p:par>
+        <p:cTn id="1" dur="indefinite" restart="never" nodeType="tmRoot"/>
+      </p:par>
+    </p:tnLst>
+  </p:timing>
 </p:sld>
 </file>
 
@@ -4381,7 +4474,30 @@
             <a:spLocks noGrp="1"/>
           </p:cNvSpPr>
           <p:nvPr>
-            <p:ph type="title"/>
+            <p:ph type="ctrTitle"/>
+          </p:nvPr>
+        </p:nvSpPr>
+        <p:spPr/>
+        <p:txBody>
+          <a:bodyPr/>
+          <a:lstStyle/>
+          <a:p>
+            <a:r>
+              <a:rPr lang="de-CH" dirty="0" smtClean="0"/>
+              <a:t>References</a:t>
+            </a:r>
+            <a:endParaRPr lang="de-CH" dirty="0"/>
+          </a:p>
+        </p:txBody>
+      </p:sp>
+      <p:sp>
+        <p:nvSpPr>
+          <p:cNvPr id="3" name="Untertitel 2"/>
+          <p:cNvSpPr>
+            <a:spLocks noGrp="1"/>
+          </p:cNvSpPr>
+          <p:nvPr>
+            <p:ph type="subTitle" idx="1"/>
           </p:nvPr>
         </p:nvSpPr>
         <p:spPr/>
@@ -4395,7 +4511,7 @@
       </p:sp>
       <p:sp>
         <p:nvSpPr>
-          <p:cNvPr id="3" name="Datumsplatzhalter 2"/>
+          <p:cNvPr id="4" name="Datumsplatzhalter 3"/>
           <p:cNvSpPr>
             <a:spLocks noGrp="1"/>
           </p:cNvSpPr>
@@ -4408,7 +4524,7 @@
           <a:bodyPr/>
           <a:lstStyle/>
           <a:p>
-            <a:fld id="{681F6098-E9E1-42B4-9C80-2F52B9453439}" type="datetime1">
+            <a:fld id="{0E397BD4-0686-495C-8D8F-54DB8CB790DF}" type="datetime1">
               <a:rPr lang="de-DE" smtClean="0"/>
               <a:pPr/>
               <a:t>13.05.2014</a:t>
@@ -4419,7 +4535,7 @@
       </p:sp>
       <p:sp>
         <p:nvSpPr>
-          <p:cNvPr id="4" name="Fußzeilenplatzhalter 3"/>
+          <p:cNvPr id="5" name="Fußzeilenplatzhalter 4"/>
           <p:cNvSpPr>
             <a:spLocks noGrp="1"/>
           </p:cNvSpPr>
@@ -4442,7 +4558,7 @@
       </p:sp>
       <p:sp>
         <p:nvSpPr>
-          <p:cNvPr id="5" name="Foliennummernplatzhalter 4"/>
+          <p:cNvPr id="6" name="Foliennummernplatzhalter 5"/>
           <p:cNvSpPr>
             <a:spLocks noGrp="1"/>
           </p:cNvSpPr>
@@ -4467,7 +4583,395 @@
     </p:spTree>
     <p:extLst>
       <p:ext uri="{BB962C8B-B14F-4D97-AF65-F5344CB8AC3E}">
-        <p14:creationId xmlns="" xmlns:p14="http://schemas.microsoft.com/office/powerpoint/2010/main" val="299640975"/>
+        <p14:creationId xmlns:p14="http://schemas.microsoft.com/office/powerpoint/2010/main" xmlns="" val="2652730742"/>
+      </p:ext>
+    </p:extLst>
+  </p:cSld>
+  <p:clrMapOvr>
+    <a:masterClrMapping/>
+  </p:clrMapOvr>
+  <p:transition>
+    <p:fade/>
+  </p:transition>
+  <p:timing>
+    <p:tnLst>
+      <p:par>
+        <p:cTn id="1" dur="indefinite" restart="never" nodeType="tmRoot"/>
+      </p:par>
+    </p:tnLst>
+  </p:timing>
+</p:sld>
+</file>
+
+<file path=ppt/slides/slide14.xml><?xml version="1.0" encoding="utf-8"?>
+<p:sld xmlns:a="http://schemas.openxmlformats.org/drawingml/2006/main" xmlns:r="http://schemas.openxmlformats.org/officeDocument/2006/relationships" xmlns:p="http://schemas.openxmlformats.org/presentationml/2006/main">
+  <p:cSld>
+    <p:spTree>
+      <p:nvGrpSpPr>
+        <p:cNvPr id="1" name=""/>
+        <p:cNvGrpSpPr/>
+        <p:nvPr/>
+      </p:nvGrpSpPr>
+      <p:grpSpPr>
+        <a:xfrm>
+          <a:off x="0" y="0"/>
+          <a:ext cx="0" cy="0"/>
+          <a:chOff x="0" y="0"/>
+          <a:chExt cx="0" cy="0"/>
+        </a:xfrm>
+      </p:grpSpPr>
+      <p:sp>
+        <p:nvSpPr>
+          <p:cNvPr id="2" name="Datumsplatzhalter 1"/>
+          <p:cNvSpPr>
+            <a:spLocks noGrp="1"/>
+          </p:cNvSpPr>
+          <p:nvPr>
+            <p:ph type="dt" sz="half" idx="10"/>
+          </p:nvPr>
+        </p:nvSpPr>
+        <p:spPr/>
+        <p:txBody>
+          <a:bodyPr/>
+          <a:lstStyle/>
+          <a:p>
+            <a:fld id="{7D860B62-60FD-48EF-B2F4-6E7265AD3459}" type="datetime1">
+              <a:rPr lang="de-DE" smtClean="0"/>
+              <a:pPr/>
+              <a:t>13.05.2014</a:t>
+            </a:fld>
+            <a:endParaRPr lang="de-DE"/>
+          </a:p>
+        </p:txBody>
+      </p:sp>
+      <p:sp>
+        <p:nvSpPr>
+          <p:cNvPr id="3" name="Fußzeilenplatzhalter 2"/>
+          <p:cNvSpPr>
+            <a:spLocks noGrp="1"/>
+          </p:cNvSpPr>
+          <p:nvPr>
+            <p:ph type="ftr" sz="quarter" idx="11"/>
+          </p:nvPr>
+        </p:nvSpPr>
+        <p:spPr/>
+        <p:txBody>
+          <a:bodyPr/>
+          <a:lstStyle/>
+          <a:p>
+            <a:r>
+              <a:rPr lang="de-DE" smtClean="0"/>
+              <a:t>((Vorname Nachname))</a:t>
+            </a:r>
+            <a:endParaRPr lang="de-DE"/>
+          </a:p>
+        </p:txBody>
+      </p:sp>
+      <p:sp>
+        <p:nvSpPr>
+          <p:cNvPr id="4" name="Foliennummernplatzhalter 3"/>
+          <p:cNvSpPr>
+            <a:spLocks noGrp="1"/>
+          </p:cNvSpPr>
+          <p:nvPr>
+            <p:ph type="sldNum" sz="quarter" idx="12"/>
+          </p:nvPr>
+        </p:nvSpPr>
+        <p:spPr/>
+        <p:txBody>
+          <a:bodyPr/>
+          <a:lstStyle/>
+          <a:p>
+            <a:fld id="{6C6AE60A-B69C-4790-82F7-3882EDF23186}" type="slidenum">
+              <a:rPr lang="de-DE" smtClean="0"/>
+              <a:pPr/>
+              <a:t>14</a:t>
+            </a:fld>
+            <a:endParaRPr lang="de-DE"/>
+          </a:p>
+        </p:txBody>
+      </p:sp>
+      <p:sp>
+        <p:nvSpPr>
+          <p:cNvPr id="5" name="Bildplatzhalter 4"/>
+          <p:cNvSpPr>
+            <a:spLocks noGrp="1"/>
+          </p:cNvSpPr>
+          <p:nvPr>
+            <p:ph type="pic" sz="quarter" idx="13"/>
+          </p:nvPr>
+        </p:nvSpPr>
+        <p:spPr/>
+      </p:sp>
+    </p:spTree>
+    <p:extLst>
+      <p:ext uri="{BB962C8B-B14F-4D97-AF65-F5344CB8AC3E}">
+        <p14:creationId xmlns:p14="http://schemas.microsoft.com/office/powerpoint/2010/main" xmlns="" val="3942276668"/>
+      </p:ext>
+    </p:extLst>
+  </p:cSld>
+  <p:clrMapOvr>
+    <a:masterClrMapping/>
+  </p:clrMapOvr>
+  <p:transition>
+    <p:fade/>
+  </p:transition>
+</p:sld>
+</file>
+
+<file path=ppt/slides/slide15.xml><?xml version="1.0" encoding="utf-8"?>
+<p:sld xmlns:a="http://schemas.openxmlformats.org/drawingml/2006/main" xmlns:r="http://schemas.openxmlformats.org/officeDocument/2006/relationships" xmlns:p="http://schemas.openxmlformats.org/presentationml/2006/main">
+  <p:cSld>
+    <p:spTree>
+      <p:nvGrpSpPr>
+        <p:cNvPr id="1" name=""/>
+        <p:cNvGrpSpPr/>
+        <p:nvPr/>
+      </p:nvGrpSpPr>
+      <p:grpSpPr>
+        <a:xfrm>
+          <a:off x="0" y="0"/>
+          <a:ext cx="0" cy="0"/>
+          <a:chOff x="0" y="0"/>
+          <a:chExt cx="0" cy="0"/>
+        </a:xfrm>
+      </p:grpSpPr>
+      <p:sp>
+        <p:nvSpPr>
+          <p:cNvPr id="2" name="Datumsplatzhalter 1"/>
+          <p:cNvSpPr>
+            <a:spLocks noGrp="1"/>
+          </p:cNvSpPr>
+          <p:nvPr>
+            <p:ph type="dt" sz="half" idx="10"/>
+          </p:nvPr>
+        </p:nvSpPr>
+        <p:spPr/>
+        <p:txBody>
+          <a:bodyPr/>
+          <a:lstStyle/>
+          <a:p>
+            <a:fld id="{7F4A91D9-FBFE-4ACC-A99A-BC74A6E03CC5}" type="datetime1">
+              <a:rPr lang="de-DE" smtClean="0"/>
+              <a:pPr/>
+              <a:t>13.05.2014</a:t>
+            </a:fld>
+            <a:endParaRPr lang="de-DE"/>
+          </a:p>
+        </p:txBody>
+      </p:sp>
+      <p:sp>
+        <p:nvSpPr>
+          <p:cNvPr id="3" name="Fußzeilenplatzhalter 2"/>
+          <p:cNvSpPr>
+            <a:spLocks noGrp="1"/>
+          </p:cNvSpPr>
+          <p:nvPr>
+            <p:ph type="ftr" sz="quarter" idx="11"/>
+          </p:nvPr>
+        </p:nvSpPr>
+        <p:spPr/>
+        <p:txBody>
+          <a:bodyPr/>
+          <a:lstStyle/>
+          <a:p>
+            <a:r>
+              <a:rPr lang="de-DE" smtClean="0"/>
+              <a:t>((Vorname Nachname))</a:t>
+            </a:r>
+            <a:endParaRPr lang="de-DE"/>
+          </a:p>
+        </p:txBody>
+      </p:sp>
+      <p:sp>
+        <p:nvSpPr>
+          <p:cNvPr id="4" name="Foliennummernplatzhalter 3"/>
+          <p:cNvSpPr>
+            <a:spLocks noGrp="1"/>
+          </p:cNvSpPr>
+          <p:nvPr>
+            <p:ph type="sldNum" sz="quarter" idx="12"/>
+          </p:nvPr>
+        </p:nvSpPr>
+        <p:spPr/>
+        <p:txBody>
+          <a:bodyPr/>
+          <a:lstStyle/>
+          <a:p>
+            <a:fld id="{6C6AE60A-B69C-4790-82F7-3882EDF23186}" type="slidenum">
+              <a:rPr lang="de-DE" smtClean="0"/>
+              <a:pPr/>
+              <a:t>15</a:t>
+            </a:fld>
+            <a:endParaRPr lang="de-DE"/>
+          </a:p>
+        </p:txBody>
+      </p:sp>
+      <p:sp>
+        <p:nvSpPr>
+          <p:cNvPr id="5" name="Inhaltsplatzhalter 4"/>
+          <p:cNvSpPr>
+            <a:spLocks noGrp="1"/>
+          </p:cNvSpPr>
+          <p:nvPr>
+            <p:ph sz="quarter" idx="13"/>
+          </p:nvPr>
+        </p:nvSpPr>
+        <p:spPr/>
+        <p:txBody>
+          <a:bodyPr/>
+          <a:lstStyle/>
+          <a:p>
+            <a:endParaRPr lang="de-CH"/>
+          </a:p>
+        </p:txBody>
+      </p:sp>
+      <p:sp>
+        <p:nvSpPr>
+          <p:cNvPr id="6" name="Titel 5"/>
+          <p:cNvSpPr>
+            <a:spLocks noGrp="1"/>
+          </p:cNvSpPr>
+          <p:nvPr>
+            <p:ph type="title"/>
+          </p:nvPr>
+        </p:nvSpPr>
+        <p:spPr/>
+        <p:txBody>
+          <a:bodyPr/>
+          <a:lstStyle/>
+          <a:p>
+            <a:endParaRPr lang="de-CH"/>
+          </a:p>
+        </p:txBody>
+      </p:sp>
+    </p:spTree>
+    <p:extLst>
+      <p:ext uri="{BB962C8B-B14F-4D97-AF65-F5344CB8AC3E}">
+        <p14:creationId xmlns:p14="http://schemas.microsoft.com/office/powerpoint/2010/main" xmlns="" val="1021420575"/>
+      </p:ext>
+    </p:extLst>
+  </p:cSld>
+  <p:clrMapOvr>
+    <a:masterClrMapping/>
+  </p:clrMapOvr>
+  <p:transition>
+    <p:fade/>
+  </p:transition>
+</p:sld>
+</file>
+
+<file path=ppt/slides/slide16.xml><?xml version="1.0" encoding="utf-8"?>
+<p:sld xmlns:a="http://schemas.openxmlformats.org/drawingml/2006/main" xmlns:r="http://schemas.openxmlformats.org/officeDocument/2006/relationships" xmlns:p="http://schemas.openxmlformats.org/presentationml/2006/main">
+  <p:cSld>
+    <p:spTree>
+      <p:nvGrpSpPr>
+        <p:cNvPr id="1" name=""/>
+        <p:cNvGrpSpPr/>
+        <p:nvPr/>
+      </p:nvGrpSpPr>
+      <p:grpSpPr>
+        <a:xfrm>
+          <a:off x="0" y="0"/>
+          <a:ext cx="0" cy="0"/>
+          <a:chOff x="0" y="0"/>
+          <a:chExt cx="0" cy="0"/>
+        </a:xfrm>
+      </p:grpSpPr>
+      <p:sp>
+        <p:nvSpPr>
+          <p:cNvPr id="2" name="Titel 1"/>
+          <p:cNvSpPr>
+            <a:spLocks noGrp="1"/>
+          </p:cNvSpPr>
+          <p:nvPr>
+            <p:ph type="title"/>
+          </p:nvPr>
+        </p:nvSpPr>
+        <p:spPr/>
+        <p:txBody>
+          <a:bodyPr/>
+          <a:lstStyle/>
+          <a:p>
+            <a:endParaRPr lang="de-CH"/>
+          </a:p>
+        </p:txBody>
+      </p:sp>
+      <p:sp>
+        <p:nvSpPr>
+          <p:cNvPr id="3" name="Datumsplatzhalter 2"/>
+          <p:cNvSpPr>
+            <a:spLocks noGrp="1"/>
+          </p:cNvSpPr>
+          <p:nvPr>
+            <p:ph type="dt" sz="half" idx="10"/>
+          </p:nvPr>
+        </p:nvSpPr>
+        <p:spPr/>
+        <p:txBody>
+          <a:bodyPr/>
+          <a:lstStyle/>
+          <a:p>
+            <a:fld id="{681F6098-E9E1-42B4-9C80-2F52B9453439}" type="datetime1">
+              <a:rPr lang="de-DE" smtClean="0"/>
+              <a:pPr/>
+              <a:t>13.05.2014</a:t>
+            </a:fld>
+            <a:endParaRPr lang="de-DE"/>
+          </a:p>
+        </p:txBody>
+      </p:sp>
+      <p:sp>
+        <p:nvSpPr>
+          <p:cNvPr id="4" name="Fußzeilenplatzhalter 3"/>
+          <p:cNvSpPr>
+            <a:spLocks noGrp="1"/>
+          </p:cNvSpPr>
+          <p:nvPr>
+            <p:ph type="ftr" sz="quarter" idx="11"/>
+          </p:nvPr>
+        </p:nvSpPr>
+        <p:spPr/>
+        <p:txBody>
+          <a:bodyPr/>
+          <a:lstStyle/>
+          <a:p>
+            <a:r>
+              <a:rPr lang="de-DE" smtClean="0"/>
+              <a:t>((Vorname Nachname))</a:t>
+            </a:r>
+            <a:endParaRPr lang="de-DE"/>
+          </a:p>
+        </p:txBody>
+      </p:sp>
+      <p:sp>
+        <p:nvSpPr>
+          <p:cNvPr id="5" name="Foliennummernplatzhalter 4"/>
+          <p:cNvSpPr>
+            <a:spLocks noGrp="1"/>
+          </p:cNvSpPr>
+          <p:nvPr>
+            <p:ph type="sldNum" sz="quarter" idx="12"/>
+          </p:nvPr>
+        </p:nvSpPr>
+        <p:spPr/>
+        <p:txBody>
+          <a:bodyPr/>
+          <a:lstStyle/>
+          <a:p>
+            <a:fld id="{6C6AE60A-B69C-4790-82F7-3882EDF23186}" type="slidenum">
+              <a:rPr lang="de-DE" smtClean="0"/>
+              <a:pPr/>
+              <a:t>16</a:t>
+            </a:fld>
+            <a:endParaRPr lang="de-DE"/>
+          </a:p>
+        </p:txBody>
+      </p:sp>
+    </p:spTree>
+    <p:extLst>
+      <p:ext uri="{BB962C8B-B14F-4D97-AF65-F5344CB8AC3E}">
+        <p14:creationId xmlns:p14="http://schemas.microsoft.com/office/powerpoint/2010/main" xmlns="" val="299640975"/>
       </p:ext>
     </p:extLst>
   </p:cSld>
@@ -4613,7 +5117,7 @@
     </p:spTree>
     <p:extLst>
       <p:ext uri="{BB962C8B-B14F-4D97-AF65-F5344CB8AC3E}">
-        <p14:creationId xmlns="" xmlns:p14="http://schemas.microsoft.com/office/powerpoint/2010/main" val="2652730742"/>
+        <p14:creationId xmlns:p14="http://schemas.microsoft.com/office/powerpoint/2010/main" xmlns="" val="2652730742"/>
       </p:ext>
     </p:extLst>
   </p:cSld>
@@ -4805,39 +5309,8 @@
                 <a:ea typeface="+mn-ea"/>
                 <a:cs typeface="+mn-cs"/>
               </a:rPr>
-              <a:t>Obesity causes 300‘000 deaths annually in the </a:t>
-            </a:r>
-            <a:r>
-              <a:rPr kumimoji="0" lang="de-CH" sz="2400" b="0" i="0" u="none" strike="noStrike" kern="1200" cap="none" spc="0" normalizeH="0" baseline="0" noProof="0" dirty="0" smtClean="0">
-                <a:ln>
-                  <a:noFill/>
-                </a:ln>
-                <a:solidFill>
-                  <a:schemeClr val="tx1"/>
-                </a:solidFill>
-                <a:effectLst/>
-                <a:uLnTx/>
-                <a:uFillTx/>
-                <a:latin typeface="+mn-lt"/>
-                <a:ea typeface="+mn-ea"/>
-                <a:cs typeface="+mn-cs"/>
-              </a:rPr>
-              <a:t>US (Flegal, 2004)</a:t>
-            </a:r>
-            <a:endParaRPr kumimoji="0" lang="de-CH" sz="2400" b="0" i="0" u="none" strike="noStrike" kern="1200" cap="none" spc="0" normalizeH="0" baseline="0" noProof="0" dirty="0" smtClean="0">
-              <a:ln>
-                <a:noFill/>
-              </a:ln>
-              <a:solidFill>
-                <a:schemeClr val="tx1"/>
-              </a:solidFill>
-              <a:effectLst/>
-              <a:uLnTx/>
-              <a:uFillTx/>
-              <a:latin typeface="+mn-lt"/>
-              <a:ea typeface="+mn-ea"/>
-              <a:cs typeface="+mn-cs"/>
-            </a:endParaRPr>
+              <a:t>Obesity causes 300‘000 deaths annually in the US (Flegal, 2004)</a:t>
+            </a:r>
           </a:p>
         </p:txBody>
       </p:sp>
@@ -5002,8 +5475,8 @@
           </a:prstGeom>
           <a:solidFill>
             <a:schemeClr val="tx2">
-              <a:lumMod val="20000"/>
-              <a:lumOff val="80000"/>
+              <a:lumMod val="40000"/>
+              <a:lumOff val="60000"/>
             </a:schemeClr>
           </a:solidFill>
           <a:ln>
@@ -5051,8 +5524,8 @@
           </a:prstGeom>
           <a:solidFill>
             <a:schemeClr val="tx2">
-              <a:lumMod val="20000"/>
-              <a:lumOff val="80000"/>
+              <a:lumMod val="40000"/>
+              <a:lumOff val="60000"/>
             </a:schemeClr>
           </a:solidFill>
           <a:ln>
@@ -5087,7 +5560,7 @@
     </p:spTree>
     <p:extLst>
       <p:ext uri="{BB962C8B-B14F-4D97-AF65-F5344CB8AC3E}">
-        <p14:creationId xmlns="" xmlns:p14="http://schemas.microsoft.com/office/powerpoint/2010/main" val="2470698625"/>
+        <p14:creationId xmlns:p14="http://schemas.microsoft.com/office/powerpoint/2010/main" xmlns="" val="2470698625"/>
       </p:ext>
     </p:extLst>
   </p:cSld>
@@ -5231,7 +5704,7 @@
         </p:nvSpPr>
         <p:spPr>
           <a:xfrm>
-            <a:off x="323849" y="2066110"/>
+            <a:off x="323849" y="1647010"/>
             <a:ext cx="8569201" cy="3991790"/>
           </a:xfrm>
           <a:prstGeom prst="rect">
@@ -5274,7 +5747,11 @@
                 <a:ea typeface="+mn-ea"/>
                 <a:cs typeface="+mn-cs"/>
               </a:rPr>
-              <a:t>SISa </a:t>
+              <a:t>SISa model proposed by </a:t>
+            </a:r>
+            <a:r>
+              <a:rPr lang="de-CH" sz="2400" dirty="0" smtClean="0"/>
+              <a:t>Hill et al. (2010) and </a:t>
             </a:r>
             <a:r>
               <a:rPr kumimoji="0" lang="de-CH" sz="2400" b="0" i="0" u="none" strike="noStrike" kern="1200" cap="none" spc="0" normalizeH="0" noProof="0" dirty="0" smtClean="0">
@@ -5291,83 +5768,7 @@
                 <a:ea typeface="+mn-ea"/>
                 <a:cs typeface="+mn-cs"/>
               </a:rPr>
-              <a:t>model </a:t>
-            </a:r>
-            <a:r>
-              <a:rPr kumimoji="0" lang="de-CH" sz="2400" b="0" i="0" u="none" strike="noStrike" kern="1200" cap="none" spc="0" normalizeH="0" noProof="0" dirty="0" smtClean="0">
-                <a:ln>
-                  <a:noFill/>
-                </a:ln>
-                <a:solidFill>
-                  <a:schemeClr val="tx1"/>
-                </a:solidFill>
-                <a:effectLst/>
-                <a:uLnTx/>
-                <a:uFillTx/>
-                <a:latin typeface="+mn-lt"/>
-                <a:ea typeface="+mn-ea"/>
-                <a:cs typeface="+mn-cs"/>
-              </a:rPr>
-              <a:t>proposed by </a:t>
-            </a:r>
-            <a:r>
-              <a:rPr lang="de-CH" sz="2400" dirty="0" smtClean="0"/>
-              <a:t>Hill et al. (2010) </a:t>
-            </a:r>
-            <a:r>
-              <a:rPr lang="de-CH" sz="2400" dirty="0" smtClean="0"/>
-              <a:t>and </a:t>
-            </a:r>
-            <a:r>
-              <a:rPr kumimoji="0" lang="de-CH" sz="2400" b="0" i="0" u="none" strike="noStrike" kern="1200" cap="none" spc="0" normalizeH="0" noProof="0" dirty="0" smtClean="0">
-                <a:ln>
-                  <a:noFill/>
-                </a:ln>
-                <a:solidFill>
-                  <a:schemeClr val="tx1"/>
-                </a:solidFill>
-                <a:effectLst/>
-                <a:uLnTx/>
-                <a:uFillTx/>
-                <a:latin typeface="+mn-lt"/>
-                <a:ea typeface="+mn-ea"/>
-                <a:cs typeface="+mn-cs"/>
-              </a:rPr>
-              <a:t>derived </a:t>
-            </a:r>
-            <a:r>
-              <a:rPr kumimoji="0" lang="de-CH" sz="2400" b="0" i="0" u="none" strike="noStrike" kern="1200" cap="none" spc="0" normalizeH="0" noProof="0" dirty="0" smtClean="0">
-                <a:ln>
-                  <a:noFill/>
-                </a:ln>
-                <a:solidFill>
-                  <a:schemeClr val="tx1"/>
-                </a:solidFill>
-                <a:effectLst/>
-                <a:uLnTx/>
-                <a:uFillTx/>
-                <a:latin typeface="+mn-lt"/>
-                <a:ea typeface="+mn-ea"/>
-                <a:cs typeface="+mn-cs"/>
-              </a:rPr>
-              <a:t>from </a:t>
-            </a:r>
-            <a:r>
-              <a:rPr kumimoji="0" lang="de-CH" sz="2400" b="0" i="0" u="none" strike="noStrike" kern="1200" cap="none" spc="0" normalizeH="0" noProof="0" dirty="0" smtClean="0">
-                <a:ln>
-                  <a:noFill/>
-                </a:ln>
-                <a:solidFill>
-                  <a:schemeClr val="tx1"/>
-                </a:solidFill>
-                <a:effectLst/>
-                <a:uLnTx/>
-                <a:uFillTx/>
-                <a:latin typeface="+mn-lt"/>
-                <a:ea typeface="+mn-ea"/>
-                <a:cs typeface="+mn-cs"/>
-              </a:rPr>
-              <a:t>SIS to allow for social contagion and  automatic infection</a:t>
+              <a:t>derived from SIS to allow for social contagion and  automatic infection</a:t>
             </a:r>
           </a:p>
           <a:p>
@@ -5494,7 +5895,79 @@
                 <a:ea typeface="+mn-ea"/>
                 <a:cs typeface="+mn-cs"/>
               </a:rPr>
-              <a:t>Does obesity spread through social networks? What about other risk factors?</a:t>
+              <a:t>Does obesity spread through social </a:t>
+            </a:r>
+            <a:r>
+              <a:rPr kumimoji="0" lang="de-CH" sz="2400" b="0" i="0" u="none" strike="noStrike" kern="1200" cap="none" spc="0" normalizeH="0" noProof="0" dirty="0" smtClean="0">
+                <a:ln>
+                  <a:noFill/>
+                </a:ln>
+                <a:solidFill>
+                  <a:schemeClr val="tx1"/>
+                </a:solidFill>
+                <a:effectLst/>
+                <a:uLnTx/>
+                <a:uFillTx/>
+                <a:latin typeface="+mn-lt"/>
+                <a:ea typeface="+mn-ea"/>
+                <a:cs typeface="+mn-cs"/>
+              </a:rPr>
+              <a:t>networks? Is there any automatic infection?</a:t>
+            </a:r>
+          </a:p>
+          <a:p>
+            <a:pPr marL="361950" marR="0" lvl="0" indent="-361950" algn="l" defTabSz="914400" rtl="0" eaLnBrk="1" fontAlgn="auto" latinLnBrk="0" hangingPunct="1">
+              <a:lnSpc>
+                <a:spcPct val="100000"/>
+              </a:lnSpc>
+              <a:spcBef>
+                <a:spcPts val="500"/>
+              </a:spcBef>
+              <a:spcAft>
+                <a:spcPts val="0"/>
+              </a:spcAft>
+              <a:buClr>
+                <a:schemeClr val="bg2"/>
+              </a:buClr>
+              <a:buSzTx/>
+              <a:buFont typeface="Wingdings" pitchFamily="2" charset="2"/>
+              <a:buChar char="§"/>
+              <a:tabLst/>
+              <a:defRPr/>
+            </a:pPr>
+            <a:r>
+              <a:rPr kumimoji="0" lang="de-CH" sz="2400" b="0" i="0" u="none" strike="noStrike" kern="1200" cap="none" spc="0" normalizeH="0" noProof="0" dirty="0" smtClean="0">
+                <a:ln>
+                  <a:noFill/>
+                </a:ln>
+                <a:solidFill>
+                  <a:schemeClr val="tx1"/>
+                </a:solidFill>
+                <a:effectLst/>
+                <a:uLnTx/>
+                <a:uFillTx/>
+                <a:latin typeface="+mn-lt"/>
+                <a:ea typeface="+mn-ea"/>
+                <a:cs typeface="+mn-cs"/>
+              </a:rPr>
+              <a:t>What </a:t>
+            </a:r>
+            <a:r>
+              <a:rPr kumimoji="0" lang="de-CH" sz="2400" b="0" i="0" u="none" strike="noStrike" kern="1200" cap="none" spc="0" normalizeH="0" noProof="0" dirty="0" smtClean="0">
+                <a:ln>
+                  <a:noFill/>
+                </a:ln>
+                <a:solidFill>
+                  <a:schemeClr val="tx1"/>
+                </a:solidFill>
+                <a:effectLst/>
+                <a:uLnTx/>
+                <a:uFillTx/>
+                <a:latin typeface="+mn-lt"/>
+                <a:ea typeface="+mn-ea"/>
+                <a:cs typeface="+mn-cs"/>
+              </a:rPr>
+              <a:t>about other risk factors?</a:t>
             </a:r>
           </a:p>
           <a:p>
@@ -5577,7 +6050,7 @@
         </p:nvSpPr>
         <p:spPr>
           <a:xfrm rot="10800000">
-            <a:off x="3848100" y="4114801"/>
+            <a:off x="3848100" y="3695701"/>
             <a:ext cx="1447800" cy="228600"/>
           </a:xfrm>
           <a:prstGeom prst="triangle">
@@ -5585,8 +6058,8 @@
           </a:prstGeom>
           <a:solidFill>
             <a:schemeClr val="tx2">
-              <a:lumMod val="20000"/>
-              <a:lumOff val="80000"/>
+              <a:lumMod val="40000"/>
+              <a:lumOff val="60000"/>
             </a:schemeClr>
           </a:solidFill>
           <a:ln>
@@ -5621,7 +6094,7 @@
     </p:spTree>
     <p:extLst>
       <p:ext uri="{BB962C8B-B14F-4D97-AF65-F5344CB8AC3E}">
-        <p14:creationId xmlns="" xmlns:p14="http://schemas.microsoft.com/office/powerpoint/2010/main" val="2470698625"/>
+        <p14:creationId xmlns:p14="http://schemas.microsoft.com/office/powerpoint/2010/main" xmlns="" val="2470698625"/>
       </p:ext>
     </p:extLst>
   </p:cSld>
@@ -5774,7 +6247,7 @@
     </p:spTree>
     <p:extLst>
       <p:ext uri="{BB962C8B-B14F-4D97-AF65-F5344CB8AC3E}">
-        <p14:creationId xmlns="" xmlns:p14="http://schemas.microsoft.com/office/powerpoint/2010/main" val="2652730742"/>
+        <p14:creationId xmlns:p14="http://schemas.microsoft.com/office/powerpoint/2010/main" xmlns="" val="2652730742"/>
       </p:ext>
     </p:extLst>
   </p:cSld>
@@ -5935,14 +6408,18 @@
           <a:bodyPr/>
           <a:lstStyle/>
           <a:p>
-            <a:endParaRPr lang="de-CH"/>
+            <a:r>
+              <a:rPr lang="de-CH" dirty="0" smtClean="0"/>
+              <a:t>Dataset and network description</a:t>
+            </a:r>
+            <a:endParaRPr lang="de-CH" dirty="0"/>
           </a:p>
         </p:txBody>
       </p:sp>
     </p:spTree>
     <p:extLst>
       <p:ext uri="{BB962C8B-B14F-4D97-AF65-F5344CB8AC3E}">
-        <p14:creationId xmlns="" xmlns:p14="http://schemas.microsoft.com/office/powerpoint/2010/main" val="2413663294"/>
+        <p14:creationId xmlns:p14="http://schemas.microsoft.com/office/powerpoint/2010/main" xmlns="" val="2413663294"/>
       </p:ext>
     </p:extLst>
   </p:cSld>
@@ -5981,35 +6458,12 @@
       </p:grpSpPr>
       <p:sp>
         <p:nvSpPr>
-          <p:cNvPr id="2" name="Titel 1"/>
-          <p:cNvSpPr>
-            <a:spLocks noGrp="1"/>
-          </p:cNvSpPr>
-          <p:nvPr>
-            <p:ph type="ctrTitle"/>
-          </p:nvPr>
-        </p:nvSpPr>
-        <p:spPr/>
-        <p:txBody>
-          <a:bodyPr/>
-          <a:lstStyle/>
-          <a:p>
-            <a:r>
-              <a:rPr lang="de-CH" dirty="0" smtClean="0"/>
-              <a:t>Results</a:t>
-            </a:r>
-            <a:endParaRPr lang="de-CH" dirty="0"/>
-          </a:p>
-        </p:txBody>
-      </p:sp>
-      <p:sp>
-        <p:nvSpPr>
-          <p:cNvPr id="3" name="Untertitel 2"/>
-          <p:cNvSpPr>
-            <a:spLocks noGrp="1"/>
-          </p:cNvSpPr>
-          <p:nvPr>
-            <p:ph type="subTitle" idx="1"/>
+          <p:cNvPr id="2" name="Inhaltsplatzhalter 1"/>
+          <p:cNvSpPr>
+            <a:spLocks noGrp="1"/>
+          </p:cNvSpPr>
+          <p:nvPr>
+            <p:ph sz="half" idx="1"/>
           </p:nvPr>
         </p:nvSpPr>
         <p:spPr/>
@@ -6023,6 +6477,25 @@
       </p:sp>
       <p:sp>
         <p:nvSpPr>
+          <p:cNvPr id="3" name="Inhaltsplatzhalter 2"/>
+          <p:cNvSpPr>
+            <a:spLocks noGrp="1"/>
+          </p:cNvSpPr>
+          <p:nvPr>
+            <p:ph sz="half" idx="2"/>
+          </p:nvPr>
+        </p:nvSpPr>
+        <p:spPr/>
+        <p:txBody>
+          <a:bodyPr/>
+          <a:lstStyle/>
+          <a:p>
+            <a:endParaRPr lang="de-CH"/>
+          </a:p>
+        </p:txBody>
+      </p:sp>
+      <p:sp>
+        <p:nvSpPr>
           <p:cNvPr id="4" name="Datumsplatzhalter 3"/>
           <p:cNvSpPr>
             <a:spLocks noGrp="1"/>
@@ -6036,7 +6509,7 @@
           <a:bodyPr/>
           <a:lstStyle/>
           <a:p>
-            <a:fld id="{0E397BD4-0686-495C-8D8F-54DB8CB790DF}" type="datetime1">
+            <a:fld id="{C6A1628A-2A40-4B37-B167-309C0EBB4BBF}" type="datetime1">
               <a:rPr lang="de-DE" smtClean="0"/>
               <a:pPr/>
               <a:t>13.05.2014</a:t>
@@ -6092,10 +6565,33 @@
           </a:p>
         </p:txBody>
       </p:sp>
+      <p:sp>
+        <p:nvSpPr>
+          <p:cNvPr id="7" name="Titel 6"/>
+          <p:cNvSpPr>
+            <a:spLocks noGrp="1"/>
+          </p:cNvSpPr>
+          <p:nvPr>
+            <p:ph type="title"/>
+          </p:nvPr>
+        </p:nvSpPr>
+        <p:spPr/>
+        <p:txBody>
+          <a:bodyPr/>
+          <a:lstStyle/>
+          <a:p>
+            <a:r>
+              <a:rPr lang="de-CH" dirty="0" smtClean="0"/>
+              <a:t>SISa model</a:t>
+            </a:r>
+            <a:endParaRPr lang="de-CH" dirty="0"/>
+          </a:p>
+        </p:txBody>
+      </p:sp>
     </p:spTree>
     <p:extLst>
       <p:ext uri="{BB962C8B-B14F-4D97-AF65-F5344CB8AC3E}">
-        <p14:creationId xmlns="" xmlns:p14="http://schemas.microsoft.com/office/powerpoint/2010/main" val="2652730742"/>
+        <p14:creationId xmlns:p14="http://schemas.microsoft.com/office/powerpoint/2010/main" xmlns="" val="2413663294"/>
       </p:ext>
     </p:extLst>
   </p:cSld>
@@ -6134,7 +6630,49 @@
       </p:grpSpPr>
       <p:sp>
         <p:nvSpPr>
-          <p:cNvPr id="2" name="Datumsplatzhalter 1"/>
+          <p:cNvPr id="2" name="Titel 1"/>
+          <p:cNvSpPr>
+            <a:spLocks noGrp="1"/>
+          </p:cNvSpPr>
+          <p:nvPr>
+            <p:ph type="ctrTitle"/>
+          </p:nvPr>
+        </p:nvSpPr>
+        <p:spPr/>
+        <p:txBody>
+          <a:bodyPr/>
+          <a:lstStyle/>
+          <a:p>
+            <a:r>
+              <a:rPr lang="de-CH" dirty="0" smtClean="0"/>
+              <a:t>Results</a:t>
+            </a:r>
+            <a:endParaRPr lang="de-CH" dirty="0"/>
+          </a:p>
+        </p:txBody>
+      </p:sp>
+      <p:sp>
+        <p:nvSpPr>
+          <p:cNvPr id="3" name="Untertitel 2"/>
+          <p:cNvSpPr>
+            <a:spLocks noGrp="1"/>
+          </p:cNvSpPr>
+          <p:nvPr>
+            <p:ph type="subTitle" idx="1"/>
+          </p:nvPr>
+        </p:nvSpPr>
+        <p:spPr/>
+        <p:txBody>
+          <a:bodyPr/>
+          <a:lstStyle/>
+          <a:p>
+            <a:endParaRPr lang="de-CH"/>
+          </a:p>
+        </p:txBody>
+      </p:sp>
+      <p:sp>
+        <p:nvSpPr>
+          <p:cNvPr id="4" name="Datumsplatzhalter 3"/>
           <p:cNvSpPr>
             <a:spLocks noGrp="1"/>
           </p:cNvSpPr>
@@ -6147,7 +6685,7 @@
           <a:bodyPr/>
           <a:lstStyle/>
           <a:p>
-            <a:fld id="{64AE1E89-2EE0-4320-B5A2-F15E505D5862}" type="datetime1">
+            <a:fld id="{0E397BD4-0686-495C-8D8F-54DB8CB790DF}" type="datetime1">
               <a:rPr lang="de-DE" smtClean="0"/>
               <a:pPr/>
               <a:t>13.05.2014</a:t>
@@ -6158,7 +6696,7 @@
       </p:sp>
       <p:sp>
         <p:nvSpPr>
-          <p:cNvPr id="3" name="Fußzeilenplatzhalter 2"/>
+          <p:cNvPr id="5" name="Fußzeilenplatzhalter 4"/>
           <p:cNvSpPr>
             <a:spLocks noGrp="1"/>
           </p:cNvSpPr>
@@ -6181,7 +6719,7 @@
       </p:sp>
       <p:sp>
         <p:nvSpPr>
-          <p:cNvPr id="4" name="Foliennummernplatzhalter 3"/>
+          <p:cNvPr id="6" name="Foliennummernplatzhalter 5"/>
           <p:cNvSpPr>
             <a:spLocks noGrp="1"/>
           </p:cNvSpPr>
@@ -6203,29 +6741,10 @@
           </a:p>
         </p:txBody>
       </p:sp>
-      <p:sp>
-        <p:nvSpPr>
-          <p:cNvPr id="5" name="Titel 4"/>
-          <p:cNvSpPr>
-            <a:spLocks noGrp="1"/>
-          </p:cNvSpPr>
-          <p:nvPr>
-            <p:ph type="title"/>
-          </p:nvPr>
-        </p:nvSpPr>
-        <p:spPr/>
-        <p:txBody>
-          <a:bodyPr/>
-          <a:lstStyle/>
-          <a:p>
-            <a:endParaRPr lang="de-CH"/>
-          </a:p>
-        </p:txBody>
-      </p:sp>
     </p:spTree>
     <p:extLst>
       <p:ext uri="{BB962C8B-B14F-4D97-AF65-F5344CB8AC3E}">
-        <p14:creationId xmlns="" xmlns:p14="http://schemas.microsoft.com/office/powerpoint/2010/main" val="34058075"/>
+        <p14:creationId xmlns:p14="http://schemas.microsoft.com/office/powerpoint/2010/main" xmlns="" val="2652730742"/>
       </p:ext>
     </p:extLst>
   </p:cSld>
@@ -6235,6 +6754,13 @@
   <p:transition>
     <p:fade/>
   </p:transition>
+  <p:timing>
+    <p:tnLst>
+      <p:par>
+        <p:cTn id="1" dur="indefinite" restart="never" nodeType="tmRoot"/>
+      </p:par>
+    </p:tnLst>
+  </p:timing>
 </p:sld>
 </file>
 
@@ -6257,35 +6783,12 @@
       </p:grpSpPr>
       <p:sp>
         <p:nvSpPr>
-          <p:cNvPr id="2" name="Titel 1"/>
-          <p:cNvSpPr>
-            <a:spLocks noGrp="1"/>
-          </p:cNvSpPr>
-          <p:nvPr>
-            <p:ph type="ctrTitle"/>
-          </p:nvPr>
-        </p:nvSpPr>
-        <p:spPr/>
-        <p:txBody>
-          <a:bodyPr/>
-          <a:lstStyle/>
-          <a:p>
-            <a:r>
-              <a:rPr lang="de-CH" dirty="0" smtClean="0"/>
-              <a:t>Conclusion and outlook</a:t>
-            </a:r>
-            <a:endParaRPr lang="de-CH" dirty="0"/>
-          </a:p>
-        </p:txBody>
-      </p:sp>
-      <p:sp>
-        <p:nvSpPr>
-          <p:cNvPr id="3" name="Untertitel 2"/>
-          <p:cNvSpPr>
-            <a:spLocks noGrp="1"/>
-          </p:cNvSpPr>
-          <p:nvPr>
-            <p:ph type="subTitle" idx="1"/>
+          <p:cNvPr id="2" name="Inhaltsplatzhalter 1"/>
+          <p:cNvSpPr>
+            <a:spLocks noGrp="1"/>
+          </p:cNvSpPr>
+          <p:nvPr>
+            <p:ph sz="half" idx="1"/>
           </p:nvPr>
         </p:nvSpPr>
         <p:spPr/>
@@ -6299,6 +6802,25 @@
       </p:sp>
       <p:sp>
         <p:nvSpPr>
+          <p:cNvPr id="3" name="Inhaltsplatzhalter 2"/>
+          <p:cNvSpPr>
+            <a:spLocks noGrp="1"/>
+          </p:cNvSpPr>
+          <p:nvPr>
+            <p:ph sz="half" idx="2"/>
+          </p:nvPr>
+        </p:nvSpPr>
+        <p:spPr/>
+        <p:txBody>
+          <a:bodyPr/>
+          <a:lstStyle/>
+          <a:p>
+            <a:endParaRPr lang="de-CH"/>
+          </a:p>
+        </p:txBody>
+      </p:sp>
+      <p:sp>
+        <p:nvSpPr>
           <p:cNvPr id="4" name="Datumsplatzhalter 3"/>
           <p:cNvSpPr>
             <a:spLocks noGrp="1"/>
@@ -6312,7 +6834,7 @@
           <a:bodyPr/>
           <a:lstStyle/>
           <a:p>
-            <a:fld id="{0E397BD4-0686-495C-8D8F-54DB8CB790DF}" type="datetime1">
+            <a:fld id="{C6A1628A-2A40-4B37-B167-309C0EBB4BBF}" type="datetime1">
               <a:rPr lang="de-DE" smtClean="0"/>
               <a:pPr/>
               <a:t>13.05.2014</a:t>
@@ -6368,10 +6890,33 @@
           </a:p>
         </p:txBody>
       </p:sp>
+      <p:sp>
+        <p:nvSpPr>
+          <p:cNvPr id="7" name="Titel 6"/>
+          <p:cNvSpPr>
+            <a:spLocks noGrp="1"/>
+          </p:cNvSpPr>
+          <p:nvPr>
+            <p:ph type="title"/>
+          </p:nvPr>
+        </p:nvSpPr>
+        <p:spPr/>
+        <p:txBody>
+          <a:bodyPr/>
+          <a:lstStyle/>
+          <a:p>
+            <a:r>
+              <a:rPr lang="de-CH" dirty="0" smtClean="0"/>
+              <a:t>Detailed regression process and results</a:t>
+            </a:r>
+            <a:endParaRPr lang="de-CH" dirty="0"/>
+          </a:p>
+        </p:txBody>
+      </p:sp>
     </p:spTree>
     <p:extLst>
       <p:ext uri="{BB962C8B-B14F-4D97-AF65-F5344CB8AC3E}">
-        <p14:creationId xmlns="" xmlns:p14="http://schemas.microsoft.com/office/powerpoint/2010/main" val="2652730742"/>
+        <p14:creationId xmlns:p14="http://schemas.microsoft.com/office/powerpoint/2010/main" xmlns="" val="2413663294"/>
       </p:ext>
     </p:extLst>
   </p:cSld>

--- a/presentation/Social Contagion of Obesity Presentation.pptx
+++ b/presentation/Social Contagion of Obesity Presentation.pptx
@@ -377,7 +377,7 @@
     </p:spTree>
     <p:extLst>
       <p:ext uri="{BB962C8B-B14F-4D97-AF65-F5344CB8AC3E}">
-        <p14:creationId xmlns:p14="http://schemas.microsoft.com/office/powerpoint/2010/main" xmlns="" val="277359971"/>
+        <p14:creationId xmlns="" xmlns:p14="http://schemas.microsoft.com/office/powerpoint/2010/main" val="277359971"/>
       </p:ext>
     </p:extLst>
   </p:cSld>
@@ -708,7 +708,7 @@
           <a:blip r:embed="rId2">
             <a:extLst>
               <a:ext uri="{28A0092B-C50C-407E-A947-70E740481C1C}">
-                <a14:useLocalDpi xmlns:a14="http://schemas.microsoft.com/office/drawing/2010/main" xmlns="" val="0"/>
+                <a14:useLocalDpi xmlns="" xmlns:a14="http://schemas.microsoft.com/office/drawing/2010/main" val="0"/>
               </a:ext>
             </a:extLst>
           </a:blip>
@@ -773,7 +773,7 @@
     </p:spTree>
     <p:extLst>
       <p:ext uri="{BB962C8B-B14F-4D97-AF65-F5344CB8AC3E}">
-        <p14:creationId xmlns:p14="http://schemas.microsoft.com/office/powerpoint/2010/main" xmlns="" val="826009964"/>
+        <p14:creationId xmlns="" xmlns:p14="http://schemas.microsoft.com/office/powerpoint/2010/main" val="826009964"/>
       </p:ext>
     </p:extLst>
   </p:cSld>
@@ -934,7 +934,7 @@
     </p:spTree>
     <p:extLst>
       <p:ext uri="{BB962C8B-B14F-4D97-AF65-F5344CB8AC3E}">
-        <p14:creationId xmlns:p14="http://schemas.microsoft.com/office/powerpoint/2010/main" xmlns="" val="748044121"/>
+        <p14:creationId xmlns="" xmlns:p14="http://schemas.microsoft.com/office/powerpoint/2010/main" val="748044121"/>
       </p:ext>
     </p:extLst>
   </p:cSld>
@@ -1250,7 +1250,7 @@
     </p:spTree>
     <p:extLst>
       <p:ext uri="{BB962C8B-B14F-4D97-AF65-F5344CB8AC3E}">
-        <p14:creationId xmlns:p14="http://schemas.microsoft.com/office/powerpoint/2010/main" xmlns="" val="826009964"/>
+        <p14:creationId xmlns="" xmlns:p14="http://schemas.microsoft.com/office/powerpoint/2010/main" val="826009964"/>
       </p:ext>
     </p:extLst>
   </p:cSld>
@@ -1569,7 +1569,7 @@
     </p:spTree>
     <p:extLst>
       <p:ext uri="{BB962C8B-B14F-4D97-AF65-F5344CB8AC3E}">
-        <p14:creationId xmlns:p14="http://schemas.microsoft.com/office/powerpoint/2010/main" xmlns="" val="1490291718"/>
+        <p14:creationId xmlns="" xmlns:p14="http://schemas.microsoft.com/office/powerpoint/2010/main" val="1490291718"/>
       </p:ext>
     </p:extLst>
   </p:cSld>
@@ -1910,7 +1910,7 @@
             <a:blip r:embed="rId3">
               <a:extLst>
                 <a:ext uri="{28A0092B-C50C-407E-A947-70E740481C1C}">
-                  <a14:useLocalDpi xmlns:a14="http://schemas.microsoft.com/office/drawing/2010/main" xmlns="" val="0"/>
+                  <a14:useLocalDpi xmlns="" xmlns:a14="http://schemas.microsoft.com/office/drawing/2010/main" val="0"/>
                 </a:ext>
               </a:extLst>
             </a:blip>
@@ -1973,7 +1973,7 @@
     </p:spTree>
     <p:extLst>
       <p:ext uri="{BB962C8B-B14F-4D97-AF65-F5344CB8AC3E}">
-        <p14:creationId xmlns:p14="http://schemas.microsoft.com/office/powerpoint/2010/main" xmlns="" val="1980723131"/>
+        <p14:creationId xmlns="" xmlns:p14="http://schemas.microsoft.com/office/powerpoint/2010/main" val="1980723131"/>
       </p:ext>
     </p:extLst>
   </p:cSld>
@@ -2798,7 +2798,7 @@
     </p:spTree>
     <p:extLst>
       <p:ext uri="{BB962C8B-B14F-4D97-AF65-F5344CB8AC3E}">
-        <p14:creationId xmlns:p14="http://schemas.microsoft.com/office/powerpoint/2010/main" xmlns="" val="1353896245"/>
+        <p14:creationId xmlns="" xmlns:p14="http://schemas.microsoft.com/office/powerpoint/2010/main" val="1353896245"/>
       </p:ext>
     </p:extLst>
   </p:cSld>
@@ -3002,7 +3002,7 @@
     </p:spTree>
     <p:extLst>
       <p:ext uri="{BB962C8B-B14F-4D97-AF65-F5344CB8AC3E}">
-        <p14:creationId xmlns:p14="http://schemas.microsoft.com/office/powerpoint/2010/main" xmlns="" val="3262962747"/>
+        <p14:creationId xmlns="" xmlns:p14="http://schemas.microsoft.com/office/powerpoint/2010/main" val="3262962747"/>
       </p:ext>
     </p:extLst>
   </p:cSld>
@@ -3208,7 +3208,7 @@
             <a:blip r:embed="rId12">
               <a:extLst>
                 <a:ext uri="{28A0092B-C50C-407E-A947-70E740481C1C}">
-                  <a14:useLocalDpi xmlns:a14="http://schemas.microsoft.com/office/drawing/2010/main" xmlns="" val="0"/>
+                  <a14:useLocalDpi xmlns="" xmlns:a14="http://schemas.microsoft.com/office/drawing/2010/main" val="0"/>
                 </a:ext>
               </a:extLst>
             </a:blip>
@@ -3929,7 +3929,7 @@
     </p:spTree>
     <p:extLst>
       <p:ext uri="{BB962C8B-B14F-4D97-AF65-F5344CB8AC3E}">
-        <p14:creationId xmlns:p14="http://schemas.microsoft.com/office/powerpoint/2010/main" xmlns="" val="925331975"/>
+        <p14:creationId xmlns="" xmlns:p14="http://schemas.microsoft.com/office/powerpoint/2010/main" val="925331975"/>
       </p:ext>
     </p:extLst>
   </p:cSld>
@@ -4101,7 +4101,7 @@
     </p:spTree>
     <p:extLst>
       <p:ext uri="{BB962C8B-B14F-4D97-AF65-F5344CB8AC3E}">
-        <p14:creationId xmlns:p14="http://schemas.microsoft.com/office/powerpoint/2010/main" xmlns="" val="2413663294"/>
+        <p14:creationId xmlns="" xmlns:p14="http://schemas.microsoft.com/office/powerpoint/2010/main" val="2413663294"/>
       </p:ext>
     </p:extLst>
   </p:cSld>
@@ -4140,44 +4140,6 @@
       </p:grpSpPr>
       <p:sp>
         <p:nvSpPr>
-          <p:cNvPr id="2" name="Inhaltsplatzhalter 1"/>
-          <p:cNvSpPr>
-            <a:spLocks noGrp="1"/>
-          </p:cNvSpPr>
-          <p:nvPr>
-            <p:ph sz="half" idx="1"/>
-          </p:nvPr>
-        </p:nvSpPr>
-        <p:spPr/>
-        <p:txBody>
-          <a:bodyPr/>
-          <a:lstStyle/>
-          <a:p>
-            <a:endParaRPr lang="de-CH"/>
-          </a:p>
-        </p:txBody>
-      </p:sp>
-      <p:sp>
-        <p:nvSpPr>
-          <p:cNvPr id="3" name="Inhaltsplatzhalter 2"/>
-          <p:cNvSpPr>
-            <a:spLocks noGrp="1"/>
-          </p:cNvSpPr>
-          <p:nvPr>
-            <p:ph sz="half" idx="2"/>
-          </p:nvPr>
-        </p:nvSpPr>
-        <p:spPr/>
-        <p:txBody>
-          <a:bodyPr/>
-          <a:lstStyle/>
-          <a:p>
-            <a:endParaRPr lang="de-CH"/>
-          </a:p>
-        </p:txBody>
-      </p:sp>
-      <p:sp>
-        <p:nvSpPr>
           <p:cNvPr id="4" name="Datumsplatzhalter 3"/>
           <p:cNvSpPr>
             <a:spLocks noGrp="1"/>
@@ -4274,10 +4236,512 @@
           </a:p>
         </p:txBody>
       </p:sp>
+      <p:sp>
+        <p:nvSpPr>
+          <p:cNvPr id="8" name="Rectangle 7"/>
+          <p:cNvSpPr/>
+          <p:nvPr/>
+        </p:nvSpPr>
+        <p:spPr>
+          <a:xfrm>
+            <a:off x="571500" y="2024063"/>
+            <a:ext cx="2095500" cy="1260000"/>
+          </a:xfrm>
+          <a:prstGeom prst="rect">
+            <a:avLst/>
+          </a:prstGeom>
+          <a:solidFill>
+            <a:schemeClr val="tx2">
+              <a:lumMod val="40000"/>
+              <a:lumOff val="60000"/>
+            </a:schemeClr>
+          </a:solidFill>
+          <a:ln>
+            <a:noFill/>
+          </a:ln>
+        </p:spPr>
+        <p:style>
+          <a:lnRef idx="2">
+            <a:schemeClr val="accent1">
+              <a:shade val="50000"/>
+            </a:schemeClr>
+          </a:lnRef>
+          <a:fillRef idx="1">
+            <a:schemeClr val="accent1"/>
+          </a:fillRef>
+          <a:effectRef idx="0">
+            <a:schemeClr val="accent1"/>
+          </a:effectRef>
+          <a:fontRef idx="minor">
+            <a:schemeClr val="lt1"/>
+          </a:fontRef>
+        </p:style>
+        <p:txBody>
+          <a:bodyPr rtlCol="0" anchor="ctr"/>
+          <a:lstStyle/>
+          <a:p>
+            <a:pPr algn="ctr"/>
+            <a:r>
+              <a:rPr lang="fr-CH" sz="2000" b="1" dirty="0" smtClean="0"/>
+              <a:t>Social contagion</a:t>
+            </a:r>
+            <a:endParaRPr lang="en-GB" sz="2000" b="1" dirty="0"/>
+          </a:p>
+        </p:txBody>
+      </p:sp>
+      <p:sp>
+        <p:nvSpPr>
+          <p:cNvPr id="9" name="Rectangle 8"/>
+          <p:cNvSpPr/>
+          <p:nvPr/>
+        </p:nvSpPr>
+        <p:spPr>
+          <a:xfrm>
+            <a:off x="571500" y="3357563"/>
+            <a:ext cx="2095500" cy="1260000"/>
+          </a:xfrm>
+          <a:prstGeom prst="rect">
+            <a:avLst/>
+          </a:prstGeom>
+          <a:solidFill>
+            <a:schemeClr val="tx2">
+              <a:lumMod val="40000"/>
+              <a:lumOff val="60000"/>
+            </a:schemeClr>
+          </a:solidFill>
+          <a:ln>
+            <a:noFill/>
+          </a:ln>
+        </p:spPr>
+        <p:style>
+          <a:lnRef idx="2">
+            <a:schemeClr val="accent1">
+              <a:shade val="50000"/>
+            </a:schemeClr>
+          </a:lnRef>
+          <a:fillRef idx="1">
+            <a:schemeClr val="accent1"/>
+          </a:fillRef>
+          <a:effectRef idx="0">
+            <a:schemeClr val="accent1"/>
+          </a:effectRef>
+          <a:fontRef idx="minor">
+            <a:schemeClr val="lt1"/>
+          </a:fontRef>
+        </p:style>
+        <p:txBody>
+          <a:bodyPr rtlCol="0" anchor="ctr"/>
+          <a:lstStyle/>
+          <a:p>
+            <a:pPr algn="ctr"/>
+            <a:r>
+              <a:rPr lang="fr-CH" sz="2000" b="1" dirty="0" err="1" smtClean="0"/>
+              <a:t>Homophily</a:t>
+            </a:r>
+            <a:endParaRPr lang="en-GB" sz="2000" b="1" dirty="0"/>
+          </a:p>
+        </p:txBody>
+      </p:sp>
+      <p:sp>
+        <p:nvSpPr>
+          <p:cNvPr id="10" name="Rectangle 9"/>
+          <p:cNvSpPr/>
+          <p:nvPr/>
+        </p:nvSpPr>
+        <p:spPr>
+          <a:xfrm>
+            <a:off x="571500" y="4691063"/>
+            <a:ext cx="2095500" cy="1260000"/>
+          </a:xfrm>
+          <a:prstGeom prst="rect">
+            <a:avLst/>
+          </a:prstGeom>
+          <a:solidFill>
+            <a:schemeClr val="tx2">
+              <a:lumMod val="40000"/>
+              <a:lumOff val="60000"/>
+            </a:schemeClr>
+          </a:solidFill>
+          <a:ln>
+            <a:noFill/>
+          </a:ln>
+        </p:spPr>
+        <p:style>
+          <a:lnRef idx="2">
+            <a:schemeClr val="accent1">
+              <a:shade val="50000"/>
+            </a:schemeClr>
+          </a:lnRef>
+          <a:fillRef idx="1">
+            <a:schemeClr val="accent1"/>
+          </a:fillRef>
+          <a:effectRef idx="0">
+            <a:schemeClr val="accent1"/>
+          </a:effectRef>
+          <a:fontRef idx="minor">
+            <a:schemeClr val="lt1"/>
+          </a:fontRef>
+        </p:style>
+        <p:txBody>
+          <a:bodyPr rtlCol="0" anchor="ctr"/>
+          <a:lstStyle/>
+          <a:p>
+            <a:pPr algn="ctr"/>
+            <a:r>
+              <a:rPr lang="fr-CH" sz="2000" b="1" dirty="0" err="1" smtClean="0"/>
+              <a:t>Confounding</a:t>
+            </a:r>
+            <a:endParaRPr lang="en-GB" sz="2000" b="1" dirty="0"/>
+          </a:p>
+        </p:txBody>
+      </p:sp>
+      <p:sp>
+        <p:nvSpPr>
+          <p:cNvPr id="13" name="Inhaltsplatzhalter 1"/>
+          <p:cNvSpPr txBox="1">
+            <a:spLocks/>
+          </p:cNvSpPr>
+          <p:nvPr/>
+        </p:nvSpPr>
+        <p:spPr>
+          <a:xfrm>
+            <a:off x="2971799" y="2024063"/>
+            <a:ext cx="5848351" cy="1260000"/>
+          </a:xfrm>
+          <a:prstGeom prst="rect">
+            <a:avLst/>
+          </a:prstGeom>
+          <a:noFill/>
+          <a:ln>
+            <a:noFill/>
+          </a:ln>
+        </p:spPr>
+        <p:txBody>
+          <a:bodyPr vert="horz" lIns="140400" tIns="0" rIns="144000" bIns="0" rtlCol="0">
+            <a:noAutofit/>
+          </a:bodyPr>
+          <a:lstStyle/>
+          <a:p>
+            <a:pPr marL="361950" lvl="0" indent="-361950">
+              <a:spcBef>
+                <a:spcPts val="500"/>
+              </a:spcBef>
+              <a:buClr>
+                <a:schemeClr val="bg2"/>
+              </a:buClr>
+              <a:buFont typeface="Wingdings" pitchFamily="2" charset="2"/>
+              <a:buChar char="§"/>
+              <a:defRPr/>
+            </a:pPr>
+            <a:endParaRPr kumimoji="0" lang="de-CH" sz="2400" b="0" i="0" u="none" strike="noStrike" kern="1200" cap="none" spc="0" normalizeH="0" noProof="0" dirty="0" smtClean="0">
+              <a:ln>
+                <a:noFill/>
+              </a:ln>
+              <a:solidFill>
+                <a:schemeClr val="tx1"/>
+              </a:solidFill>
+              <a:effectLst/>
+              <a:uLnTx/>
+              <a:uFillTx/>
+              <a:latin typeface="+mn-lt"/>
+              <a:ea typeface="+mn-ea"/>
+              <a:cs typeface="+mn-cs"/>
+            </a:endParaRPr>
+          </a:p>
+        </p:txBody>
+      </p:sp>
+      <p:sp>
+        <p:nvSpPr>
+          <p:cNvPr id="17" name="Inhaltsplatzhalter 1"/>
+          <p:cNvSpPr txBox="1">
+            <a:spLocks/>
+          </p:cNvSpPr>
+          <p:nvPr/>
+        </p:nvSpPr>
+        <p:spPr>
+          <a:xfrm>
+            <a:off x="2971799" y="3357563"/>
+            <a:ext cx="5848351" cy="1260000"/>
+          </a:xfrm>
+          <a:prstGeom prst="rect">
+            <a:avLst/>
+          </a:prstGeom>
+          <a:noFill/>
+          <a:ln>
+            <a:noFill/>
+          </a:ln>
+        </p:spPr>
+        <p:txBody>
+          <a:bodyPr vert="horz" lIns="140400" tIns="0" rIns="144000" bIns="0" rtlCol="0">
+            <a:noAutofit/>
+          </a:bodyPr>
+          <a:lstStyle/>
+          <a:p>
+            <a:pPr marL="361950" lvl="0" indent="-361950">
+              <a:spcBef>
+                <a:spcPts val="500"/>
+              </a:spcBef>
+              <a:buClr>
+                <a:schemeClr val="bg2"/>
+              </a:buClr>
+              <a:buFont typeface="Wingdings" pitchFamily="2" charset="2"/>
+              <a:buChar char="§"/>
+              <a:defRPr/>
+            </a:pPr>
+            <a:r>
+              <a:rPr kumimoji="0" lang="de-CH" sz="2000" b="0" i="0" u="none" strike="noStrike" kern="1200" cap="none" spc="0" normalizeH="0" noProof="0" dirty="0" smtClean="0">
+                <a:ln>
+                  <a:noFill/>
+                </a:ln>
+                <a:solidFill>
+                  <a:schemeClr val="tx1"/>
+                </a:solidFill>
+                <a:effectLst/>
+                <a:uLnTx/>
+                <a:uFillTx/>
+                <a:latin typeface="+mn-lt"/>
+                <a:ea typeface="+mn-ea"/>
+                <a:cs typeface="+mn-cs"/>
+              </a:rPr>
+              <a:t>Social homophily</a:t>
+            </a:r>
+          </a:p>
+          <a:p>
+            <a:pPr marL="361950" lvl="0" indent="-361950">
+              <a:spcBef>
+                <a:spcPts val="500"/>
+              </a:spcBef>
+              <a:buClr>
+                <a:schemeClr val="bg2"/>
+              </a:buClr>
+              <a:buFont typeface="Wingdings" pitchFamily="2" charset="2"/>
+              <a:buChar char="§"/>
+              <a:defRPr/>
+            </a:pPr>
+            <a:r>
+              <a:rPr lang="de-CH" sz="2000" dirty="0" smtClean="0"/>
+              <a:t>Weight homophily</a:t>
+            </a:r>
+            <a:endParaRPr kumimoji="0" lang="de-CH" sz="2000" b="0" i="0" u="none" strike="noStrike" kern="1200" cap="none" spc="0" normalizeH="0" noProof="0" dirty="0" smtClean="0">
+              <a:ln>
+                <a:noFill/>
+              </a:ln>
+              <a:solidFill>
+                <a:schemeClr val="tx1"/>
+              </a:solidFill>
+              <a:effectLst/>
+              <a:uLnTx/>
+              <a:uFillTx/>
+              <a:latin typeface="+mn-lt"/>
+              <a:ea typeface="+mn-ea"/>
+              <a:cs typeface="+mn-cs"/>
+            </a:endParaRPr>
+          </a:p>
+        </p:txBody>
+      </p:sp>
+      <p:sp>
+        <p:nvSpPr>
+          <p:cNvPr id="18" name="Inhaltsplatzhalter 1"/>
+          <p:cNvSpPr txBox="1">
+            <a:spLocks/>
+          </p:cNvSpPr>
+          <p:nvPr/>
+        </p:nvSpPr>
+        <p:spPr>
+          <a:xfrm>
+            <a:off x="2971799" y="4691063"/>
+            <a:ext cx="5848351" cy="1260000"/>
+          </a:xfrm>
+          <a:prstGeom prst="rect">
+            <a:avLst/>
+          </a:prstGeom>
+          <a:noFill/>
+          <a:ln>
+            <a:noFill/>
+          </a:ln>
+        </p:spPr>
+        <p:txBody>
+          <a:bodyPr vert="horz" lIns="140400" tIns="0" rIns="144000" bIns="0" rtlCol="0">
+            <a:noAutofit/>
+          </a:bodyPr>
+          <a:lstStyle/>
+          <a:p>
+            <a:pPr marL="361950" lvl="0" indent="-361950">
+              <a:spcBef>
+                <a:spcPts val="500"/>
+              </a:spcBef>
+              <a:buClr>
+                <a:schemeClr val="bg2"/>
+              </a:buClr>
+              <a:buFont typeface="Wingdings" pitchFamily="2" charset="2"/>
+              <a:buChar char="§"/>
+              <a:defRPr/>
+            </a:pPr>
+            <a:endParaRPr kumimoji="0" lang="de-CH" sz="2400" b="0" i="0" u="none" strike="noStrike" kern="1200" cap="none" spc="0" normalizeH="0" noProof="0" dirty="0" smtClean="0">
+              <a:ln>
+                <a:noFill/>
+              </a:ln>
+              <a:solidFill>
+                <a:schemeClr val="tx1"/>
+              </a:solidFill>
+              <a:effectLst/>
+              <a:uLnTx/>
+              <a:uFillTx/>
+              <a:latin typeface="+mn-lt"/>
+              <a:ea typeface="+mn-ea"/>
+              <a:cs typeface="+mn-cs"/>
+            </a:endParaRPr>
+          </a:p>
+        </p:txBody>
+      </p:sp>
+      <p:sp>
+        <p:nvSpPr>
+          <p:cNvPr id="19" name="Inhaltsplatzhalter 1"/>
+          <p:cNvSpPr txBox="1">
+            <a:spLocks/>
+          </p:cNvSpPr>
+          <p:nvPr/>
+        </p:nvSpPr>
+        <p:spPr>
+          <a:xfrm>
+            <a:off x="2971799" y="2024063"/>
+            <a:ext cx="5848351" cy="1260000"/>
+          </a:xfrm>
+          <a:prstGeom prst="rect">
+            <a:avLst/>
+          </a:prstGeom>
+          <a:noFill/>
+          <a:ln>
+            <a:noFill/>
+          </a:ln>
+        </p:spPr>
+        <p:txBody>
+          <a:bodyPr vert="horz" lIns="140400" tIns="0" rIns="144000" bIns="0" rtlCol="0">
+            <a:noAutofit/>
+          </a:bodyPr>
+          <a:lstStyle/>
+          <a:p>
+            <a:pPr marL="361950" lvl="0" indent="-361950">
+              <a:spcBef>
+                <a:spcPts val="500"/>
+              </a:spcBef>
+              <a:buClr>
+                <a:schemeClr val="bg2"/>
+              </a:buClr>
+              <a:buFont typeface="Wingdings" pitchFamily="2" charset="2"/>
+              <a:buChar char="§"/>
+              <a:defRPr/>
+            </a:pPr>
+            <a:r>
+              <a:rPr kumimoji="0" lang="de-CH" sz="2000" b="0" i="0" u="none" strike="noStrike" kern="1200" cap="none" spc="0" normalizeH="0" noProof="0" dirty="0" smtClean="0">
+                <a:ln>
+                  <a:noFill/>
+                </a:ln>
+                <a:solidFill>
+                  <a:schemeClr val="tx1"/>
+                </a:solidFill>
+                <a:effectLst/>
+                <a:uLnTx/>
+                <a:uFillTx/>
+                <a:latin typeface="+mn-lt"/>
+                <a:ea typeface="+mn-ea"/>
+                <a:cs typeface="+mn-cs"/>
+              </a:rPr>
+              <a:t>...</a:t>
+            </a:r>
+            <a:endParaRPr kumimoji="0" lang="de-CH" sz="2000" b="0" i="0" u="none" strike="noStrike" kern="1200" cap="none" spc="0" normalizeH="0" noProof="0" dirty="0" smtClean="0">
+              <a:ln>
+                <a:noFill/>
+              </a:ln>
+              <a:solidFill>
+                <a:schemeClr val="tx1"/>
+              </a:solidFill>
+              <a:effectLst/>
+              <a:uLnTx/>
+              <a:uFillTx/>
+              <a:latin typeface="+mn-lt"/>
+              <a:ea typeface="+mn-ea"/>
+              <a:cs typeface="+mn-cs"/>
+            </a:endParaRPr>
+          </a:p>
+        </p:txBody>
+      </p:sp>
+      <p:sp>
+        <p:nvSpPr>
+          <p:cNvPr id="20" name="Inhaltsplatzhalter 1"/>
+          <p:cNvSpPr txBox="1">
+            <a:spLocks/>
+          </p:cNvSpPr>
+          <p:nvPr/>
+        </p:nvSpPr>
+        <p:spPr>
+          <a:xfrm>
+            <a:off x="2971799" y="4691063"/>
+            <a:ext cx="5848351" cy="1260000"/>
+          </a:xfrm>
+          <a:prstGeom prst="rect">
+            <a:avLst/>
+          </a:prstGeom>
+          <a:noFill/>
+          <a:ln>
+            <a:noFill/>
+          </a:ln>
+        </p:spPr>
+        <p:txBody>
+          <a:bodyPr vert="horz" lIns="140400" tIns="0" rIns="144000" bIns="0" rtlCol="0">
+            <a:noAutofit/>
+          </a:bodyPr>
+          <a:lstStyle/>
+          <a:p>
+            <a:pPr marL="361950" lvl="0" indent="-361950">
+              <a:spcBef>
+                <a:spcPts val="500"/>
+              </a:spcBef>
+              <a:buClr>
+                <a:schemeClr val="bg2"/>
+              </a:buClr>
+              <a:buFont typeface="Wingdings" pitchFamily="2" charset="2"/>
+              <a:buChar char="§"/>
+              <a:defRPr/>
+            </a:pPr>
+            <a:r>
+              <a:rPr kumimoji="0" lang="de-CH" sz="2000" b="0" i="0" u="none" strike="noStrike" kern="1200" cap="none" spc="0" normalizeH="0" noProof="0" dirty="0" smtClean="0">
+                <a:ln>
+                  <a:noFill/>
+                </a:ln>
+                <a:solidFill>
+                  <a:schemeClr val="tx1"/>
+                </a:solidFill>
+                <a:effectLst/>
+                <a:uLnTx/>
+                <a:uFillTx/>
+                <a:latin typeface="+mn-lt"/>
+                <a:ea typeface="+mn-ea"/>
+                <a:cs typeface="+mn-cs"/>
+              </a:rPr>
+              <a:t>Household income</a:t>
+            </a:r>
+            <a:endParaRPr kumimoji="0" lang="de-CH" sz="2000" b="0" i="0" u="none" strike="noStrike" kern="1200" cap="none" spc="0" normalizeH="0" noProof="0" dirty="0" smtClean="0">
+              <a:ln>
+                <a:noFill/>
+              </a:ln>
+              <a:solidFill>
+                <a:schemeClr val="tx1"/>
+              </a:solidFill>
+              <a:effectLst/>
+              <a:uLnTx/>
+              <a:uFillTx/>
+              <a:latin typeface="+mn-lt"/>
+              <a:ea typeface="+mn-ea"/>
+              <a:cs typeface="+mn-cs"/>
+            </a:endParaRPr>
+          </a:p>
+        </p:txBody>
+      </p:sp>
     </p:spTree>
     <p:extLst>
       <p:ext uri="{BB962C8B-B14F-4D97-AF65-F5344CB8AC3E}">
-        <p14:creationId xmlns:p14="http://schemas.microsoft.com/office/powerpoint/2010/main" xmlns="" val="2413663294"/>
+        <p14:creationId xmlns="" xmlns:p14="http://schemas.microsoft.com/office/powerpoint/2010/main" val="2413663294"/>
       </p:ext>
     </p:extLst>
   </p:cSld>
@@ -4430,7 +4894,7 @@
     </p:spTree>
     <p:extLst>
       <p:ext uri="{BB962C8B-B14F-4D97-AF65-F5344CB8AC3E}">
-        <p14:creationId xmlns:p14="http://schemas.microsoft.com/office/powerpoint/2010/main" xmlns="" val="2652730742"/>
+        <p14:creationId xmlns="" xmlns:p14="http://schemas.microsoft.com/office/powerpoint/2010/main" val="2652730742"/>
       </p:ext>
     </p:extLst>
   </p:cSld>
@@ -4583,7 +5047,7 @@
     </p:spTree>
     <p:extLst>
       <p:ext uri="{BB962C8B-B14F-4D97-AF65-F5344CB8AC3E}">
-        <p14:creationId xmlns:p14="http://schemas.microsoft.com/office/powerpoint/2010/main" xmlns="" val="2652730742"/>
+        <p14:creationId xmlns="" xmlns:p14="http://schemas.microsoft.com/office/powerpoint/2010/main" val="2652730742"/>
       </p:ext>
     </p:extLst>
   </p:cSld>
@@ -4706,7 +5170,7 @@
     </p:spTree>
     <p:extLst>
       <p:ext uri="{BB962C8B-B14F-4D97-AF65-F5344CB8AC3E}">
-        <p14:creationId xmlns:p14="http://schemas.microsoft.com/office/powerpoint/2010/main" xmlns="" val="3942276668"/>
+        <p14:creationId xmlns="" xmlns:p14="http://schemas.microsoft.com/office/powerpoint/2010/main" val="3942276668"/>
       </p:ext>
     </p:extLst>
   </p:cSld>
@@ -4848,7 +5312,7 @@
     </p:spTree>
     <p:extLst>
       <p:ext uri="{BB962C8B-B14F-4D97-AF65-F5344CB8AC3E}">
-        <p14:creationId xmlns:p14="http://schemas.microsoft.com/office/powerpoint/2010/main" xmlns="" val="1021420575"/>
+        <p14:creationId xmlns="" xmlns:p14="http://schemas.microsoft.com/office/powerpoint/2010/main" val="1021420575"/>
       </p:ext>
     </p:extLst>
   </p:cSld>
@@ -4971,7 +5435,7 @@
     </p:spTree>
     <p:extLst>
       <p:ext uri="{BB962C8B-B14F-4D97-AF65-F5344CB8AC3E}">
-        <p14:creationId xmlns:p14="http://schemas.microsoft.com/office/powerpoint/2010/main" xmlns="" val="299640975"/>
+        <p14:creationId xmlns="" xmlns:p14="http://schemas.microsoft.com/office/powerpoint/2010/main" val="299640975"/>
       </p:ext>
     </p:extLst>
   </p:cSld>
@@ -5117,7 +5581,7 @@
     </p:spTree>
     <p:extLst>
       <p:ext uri="{BB962C8B-B14F-4D97-AF65-F5344CB8AC3E}">
-        <p14:creationId xmlns:p14="http://schemas.microsoft.com/office/powerpoint/2010/main" xmlns="" val="2652730742"/>
+        <p14:creationId xmlns="" xmlns:p14="http://schemas.microsoft.com/office/powerpoint/2010/main" val="2652730742"/>
       </p:ext>
     </p:extLst>
   </p:cSld>
@@ -5560,7 +6024,7 @@
     </p:spTree>
     <p:extLst>
       <p:ext uri="{BB962C8B-B14F-4D97-AF65-F5344CB8AC3E}">
-        <p14:creationId xmlns:p14="http://schemas.microsoft.com/office/powerpoint/2010/main" xmlns="" val="2470698625"/>
+        <p14:creationId xmlns="" xmlns:p14="http://schemas.microsoft.com/office/powerpoint/2010/main" val="2470698625"/>
       </p:ext>
     </p:extLst>
   </p:cSld>
@@ -5895,24 +6359,7 @@
                 <a:ea typeface="+mn-ea"/>
                 <a:cs typeface="+mn-cs"/>
               </a:rPr>
-              <a:t>Does obesity spread through social </a:t>
-            </a:r>
-            <a:r>
-              <a:rPr kumimoji="0" lang="de-CH" sz="2400" b="0" i="0" u="none" strike="noStrike" kern="1200" cap="none" spc="0" normalizeH="0" noProof="0" dirty="0" smtClean="0">
-                <a:ln>
-                  <a:noFill/>
-                </a:ln>
-                <a:solidFill>
-                  <a:schemeClr val="tx1"/>
-                </a:solidFill>
-                <a:effectLst/>
-                <a:uLnTx/>
-                <a:uFillTx/>
-                <a:latin typeface="+mn-lt"/>
-                <a:ea typeface="+mn-ea"/>
-                <a:cs typeface="+mn-cs"/>
-              </a:rPr>
-              <a:t>networks? Is there any automatic infection?</a:t>
+              <a:t>Does obesity spread through social networks? Is there any automatic infection?</a:t>
             </a:r>
           </a:p>
           <a:p>
@@ -5950,24 +6397,7 @@
                 <a:ea typeface="+mn-ea"/>
                 <a:cs typeface="+mn-cs"/>
               </a:rPr>
-              <a:t>What </a:t>
-            </a:r>
-            <a:r>
-              <a:rPr kumimoji="0" lang="de-CH" sz="2400" b="0" i="0" u="none" strike="noStrike" kern="1200" cap="none" spc="0" normalizeH="0" noProof="0" dirty="0" smtClean="0">
-                <a:ln>
-                  <a:noFill/>
-                </a:ln>
-                <a:solidFill>
-                  <a:schemeClr val="tx1"/>
-                </a:solidFill>
-                <a:effectLst/>
-                <a:uLnTx/>
-                <a:uFillTx/>
-                <a:latin typeface="+mn-lt"/>
-                <a:ea typeface="+mn-ea"/>
-                <a:cs typeface="+mn-cs"/>
-              </a:rPr>
-              <a:t>about other risk factors?</a:t>
+              <a:t>What about other risk factors?</a:t>
             </a:r>
           </a:p>
           <a:p>
@@ -6094,7 +6524,7 @@
     </p:spTree>
     <p:extLst>
       <p:ext uri="{BB962C8B-B14F-4D97-AF65-F5344CB8AC3E}">
-        <p14:creationId xmlns:p14="http://schemas.microsoft.com/office/powerpoint/2010/main" xmlns="" val="2470698625"/>
+        <p14:creationId xmlns="" xmlns:p14="http://schemas.microsoft.com/office/powerpoint/2010/main" val="2470698625"/>
       </p:ext>
     </p:extLst>
   </p:cSld>
@@ -6247,7 +6677,7 @@
     </p:spTree>
     <p:extLst>
       <p:ext uri="{BB962C8B-B14F-4D97-AF65-F5344CB8AC3E}">
-        <p14:creationId xmlns:p14="http://schemas.microsoft.com/office/powerpoint/2010/main" xmlns="" val="2652730742"/>
+        <p14:creationId xmlns="" xmlns:p14="http://schemas.microsoft.com/office/powerpoint/2010/main" val="2652730742"/>
       </p:ext>
     </p:extLst>
   </p:cSld>
@@ -6299,7 +6729,23 @@
           <a:bodyPr/>
           <a:lstStyle/>
           <a:p>
-            <a:endParaRPr lang="de-CH"/>
+            <a:r>
+              <a:rPr lang="de-CH" dirty="0" smtClean="0"/>
+              <a:t>Dataset description</a:t>
+            </a:r>
+          </a:p>
+          <a:p>
+            <a:r>
+              <a:rPr lang="de-CH" dirty="0" smtClean="0"/>
+              <a:t>Gephi and matlab result</a:t>
+            </a:r>
+          </a:p>
+          <a:p>
+            <a:r>
+              <a:rPr lang="de-CH" smtClean="0"/>
+              <a:t>Visualization to be included here</a:t>
+            </a:r>
+            <a:endParaRPr lang="de-CH" dirty="0"/>
           </a:p>
         </p:txBody>
       </p:sp>
@@ -6410,7 +6856,11 @@
           <a:p>
             <a:r>
               <a:rPr lang="de-CH" dirty="0" smtClean="0"/>
-              <a:t>Dataset and network description</a:t>
+              <a:t>Dataset </a:t>
+            </a:r>
+            <a:r>
+              <a:rPr lang="de-CH" dirty="0" smtClean="0"/>
+              <a:t> and network description</a:t>
             </a:r>
             <a:endParaRPr lang="de-CH" dirty="0"/>
           </a:p>
@@ -6419,7 +6869,7 @@
     </p:spTree>
     <p:extLst>
       <p:ext uri="{BB962C8B-B14F-4D97-AF65-F5344CB8AC3E}">
-        <p14:creationId xmlns:p14="http://schemas.microsoft.com/office/powerpoint/2010/main" xmlns="" val="2413663294"/>
+        <p14:creationId xmlns="" xmlns:p14="http://schemas.microsoft.com/office/powerpoint/2010/main" val="2413663294"/>
       </p:ext>
     </p:extLst>
   </p:cSld>
@@ -6591,7 +7041,7 @@
     </p:spTree>
     <p:extLst>
       <p:ext uri="{BB962C8B-B14F-4D97-AF65-F5344CB8AC3E}">
-        <p14:creationId xmlns:p14="http://schemas.microsoft.com/office/powerpoint/2010/main" xmlns="" val="2413663294"/>
+        <p14:creationId xmlns="" xmlns:p14="http://schemas.microsoft.com/office/powerpoint/2010/main" val="2413663294"/>
       </p:ext>
     </p:extLst>
   </p:cSld>
@@ -6744,7 +7194,7 @@
     </p:spTree>
     <p:extLst>
       <p:ext uri="{BB962C8B-B14F-4D97-AF65-F5344CB8AC3E}">
-        <p14:creationId xmlns:p14="http://schemas.microsoft.com/office/powerpoint/2010/main" xmlns="" val="2652730742"/>
+        <p14:creationId xmlns="" xmlns:p14="http://schemas.microsoft.com/office/powerpoint/2010/main" val="2652730742"/>
       </p:ext>
     </p:extLst>
   </p:cSld>
@@ -6916,7 +7366,7 @@
     </p:spTree>
     <p:extLst>
       <p:ext uri="{BB962C8B-B14F-4D97-AF65-F5344CB8AC3E}">
-        <p14:creationId xmlns:p14="http://schemas.microsoft.com/office/powerpoint/2010/main" xmlns="" val="2413663294"/>
+        <p14:creationId xmlns="" xmlns:p14="http://schemas.microsoft.com/office/powerpoint/2010/main" val="2413663294"/>
       </p:ext>
     </p:extLst>
   </p:cSld>
